--- a/Certificate_Template.pptx
+++ b/Certificate_Template.pptx
@@ -2,12 +2,12 @@
 <file path=ppt/presentation.xml><?xml version="1.0" encoding="utf-8"?>
 <p:presentation xmlns:a="http://schemas.openxmlformats.org/drawingml/2006/main" xmlns:r="http://schemas.openxmlformats.org/officeDocument/2006/relationships" xmlns:p="http://schemas.openxmlformats.org/presentationml/2006/main" saveSubsetFonts="1">
   <p:sldMasterIdLst>
-    <p:sldMasterId id="2147483684" r:id="rId1"/>
+    <p:sldMasterId id="2147483660" r:id="rId1"/>
   </p:sldMasterIdLst>
   <p:sldIdLst>
     <p:sldId id="256" r:id="rId2"/>
   </p:sldIdLst>
-  <p:sldSz cx="10907713" cy="7775575"/>
+  <p:sldSz cx="9720263" cy="6858000"/>
   <p:notesSz cx="6858000" cy="9144000"/>
   <p:defaultTextStyle>
     <a:defPPr>
@@ -106,15 +106,38 @@
   </p:defaultTextStyle>
   <p:extLst>
     <p:ext uri="{EFAFB233-063F-42B5-8137-9DF3F51BA10A}">
-      <p15:sldGuideLst xmlns:p15="http://schemas.microsoft.com/office/powerpoint/2012/main"/>
+      <p15:sldGuideLst xmlns:p15="http://schemas.microsoft.com/office/powerpoint/2012/main">
+        <p15:guide id="1" orient="horz" pos="2160" userDrawn="1">
+          <p15:clr>
+            <a:srgbClr val="A4A3A4"/>
+          </p15:clr>
+        </p15:guide>
+        <p15:guide id="2" pos="3062" userDrawn="1">
+          <p15:clr>
+            <a:srgbClr val="A4A3A4"/>
+          </p15:clr>
+        </p15:guide>
+      </p15:sldGuideLst>
     </p:ext>
   </p:extLst>
 </p:presentation>
 </file>
 
+<file path=ppt/commentAuthors.xml><?xml version="1.0" encoding="utf-8"?>
+<p:cmAuthorLst xmlns:a="http://schemas.openxmlformats.org/drawingml/2006/main" xmlns:r="http://schemas.openxmlformats.org/officeDocument/2006/relationships" xmlns:p="http://schemas.openxmlformats.org/presentationml/2006/main">
+  <p:cmAuthor id="1" name="Антон Кондратов" initials="АК" lastIdx="1" clrIdx="0">
+    <p:extLst>
+      <p:ext uri="{19B8F6BF-5375-455C-9EA6-DF929625EA0E}">
+        <p15:presenceInfo xmlns:p15="http://schemas.microsoft.com/office/powerpoint/2012/main" userId="Антон Кондратов" providerId="None"/>
+      </p:ext>
+    </p:extLst>
+  </p:cmAuthor>
+</p:cmAuthorLst>
+</file>
+
 <file path=ppt/slideLayouts/slideLayout1.xml><?xml version="1.0" encoding="utf-8"?>
 <p:sldLayout xmlns:a="http://schemas.openxmlformats.org/drawingml/2006/main" xmlns:r="http://schemas.openxmlformats.org/officeDocument/2006/relationships" xmlns:p="http://schemas.openxmlformats.org/presentationml/2006/main" type="title" preserve="1">
-  <p:cSld name="Title Slide">
+  <p:cSld name="Титульный слайд">
     <p:spTree>
       <p:nvGrpSpPr>
         <p:cNvPr id="1" name=""/>
@@ -141,21 +164,21 @@
         </p:nvSpPr>
         <p:spPr>
           <a:xfrm>
-            <a:off x="818079" y="1272531"/>
-            <a:ext cx="9271556" cy="2707052"/>
+            <a:off x="729020" y="1122363"/>
+            <a:ext cx="8262224" cy="2387600"/>
           </a:xfrm>
         </p:spPr>
         <p:txBody>
           <a:bodyPr anchor="b"/>
           <a:lstStyle>
             <a:lvl1pPr algn="ctr">
-              <a:defRPr sz="6803"/>
+              <a:defRPr sz="6000"/>
             </a:lvl1pPr>
           </a:lstStyle>
           <a:p>
             <a:r>
-              <a:rPr lang="en-US"/>
-              <a:t>Click to edit Master title style</a:t>
+              <a:rPr lang="ru-RU"/>
+              <a:t>Образец заголовка</a:t>
             </a:r>
             <a:endParaRPr lang="en-US" dirty="0"/>
           </a:p>
@@ -173,8 +196,8 @@
         </p:nvSpPr>
         <p:spPr>
           <a:xfrm>
-            <a:off x="1363464" y="4083977"/>
-            <a:ext cx="8180785" cy="1877297"/>
+            <a:off x="1215033" y="3602038"/>
+            <a:ext cx="7290197" cy="1655762"/>
           </a:xfrm>
         </p:spPr>
         <p:txBody>
@@ -182,45 +205,45 @@
           <a:lstStyle>
             <a:lvl1pPr marL="0" indent="0" algn="ctr">
               <a:buNone/>
-              <a:defRPr sz="2721"/>
+              <a:defRPr sz="2400"/>
             </a:lvl1pPr>
-            <a:lvl2pPr marL="518373" indent="0" algn="ctr">
-              <a:buNone/>
-              <a:defRPr sz="2268"/>
+            <a:lvl2pPr marL="457200" indent="0" algn="ctr">
+              <a:buNone/>
+              <a:defRPr sz="2000"/>
             </a:lvl2pPr>
-            <a:lvl3pPr marL="1036747" indent="0" algn="ctr">
-              <a:buNone/>
-              <a:defRPr sz="2041"/>
+            <a:lvl3pPr marL="914400" indent="0" algn="ctr">
+              <a:buNone/>
+              <a:defRPr sz="1800"/>
             </a:lvl3pPr>
-            <a:lvl4pPr marL="1555120" indent="0" algn="ctr">
-              <a:buNone/>
-              <a:defRPr sz="1814"/>
+            <a:lvl4pPr marL="1371600" indent="0" algn="ctr">
+              <a:buNone/>
+              <a:defRPr sz="1600"/>
             </a:lvl4pPr>
-            <a:lvl5pPr marL="2073493" indent="0" algn="ctr">
-              <a:buNone/>
-              <a:defRPr sz="1814"/>
+            <a:lvl5pPr marL="1828800" indent="0" algn="ctr">
+              <a:buNone/>
+              <a:defRPr sz="1600"/>
             </a:lvl5pPr>
-            <a:lvl6pPr marL="2591867" indent="0" algn="ctr">
-              <a:buNone/>
-              <a:defRPr sz="1814"/>
+            <a:lvl6pPr marL="2286000" indent="0" algn="ctr">
+              <a:buNone/>
+              <a:defRPr sz="1600"/>
             </a:lvl6pPr>
-            <a:lvl7pPr marL="3110240" indent="0" algn="ctr">
-              <a:buNone/>
-              <a:defRPr sz="1814"/>
+            <a:lvl7pPr marL="2743200" indent="0" algn="ctr">
+              <a:buNone/>
+              <a:defRPr sz="1600"/>
             </a:lvl7pPr>
-            <a:lvl8pPr marL="3628614" indent="0" algn="ctr">
-              <a:buNone/>
-              <a:defRPr sz="1814"/>
+            <a:lvl8pPr marL="3200400" indent="0" algn="ctr">
+              <a:buNone/>
+              <a:defRPr sz="1600"/>
             </a:lvl8pPr>
-            <a:lvl9pPr marL="4146987" indent="0" algn="ctr">
-              <a:buNone/>
-              <a:defRPr sz="1814"/>
+            <a:lvl9pPr marL="3657600" indent="0" algn="ctr">
+              <a:buNone/>
+              <a:defRPr sz="1600"/>
             </a:lvl9pPr>
           </a:lstStyle>
           <a:p>
             <a:r>
-              <a:rPr lang="en-US"/>
-              <a:t>Click to edit Master subtitle style</a:t>
+              <a:rPr lang="ru-RU"/>
+              <a:t>Образец подзаголовка</a:t>
             </a:r>
             <a:endParaRPr lang="en-US" dirty="0"/>
           </a:p>
@@ -241,11 +264,11 @@
           <a:bodyPr/>
           <a:lstStyle/>
           <a:p>
-            <a:fld id="{B418B788-A548-4410-AAA5-3B84E06E31E2}" type="datetimeFigureOut">
-              <a:rPr lang="en-US" smtClean="0"/>
-              <a:t>9/21/2021</a:t>
+            <a:fld id="{1E257FCD-A35D-4333-91E0-6F5D2CEE6E9D}" type="datetimeFigureOut">
+              <a:rPr lang="ru-RU" smtClean="0"/>
+              <a:t>24.09.2021</a:t>
             </a:fld>
-            <a:endParaRPr lang="en-US"/>
+            <a:endParaRPr lang="ru-RU"/>
           </a:p>
         </p:txBody>
       </p:sp>
@@ -264,7 +287,7 @@
           <a:bodyPr/>
           <a:lstStyle/>
           <a:p>
-            <a:endParaRPr lang="en-US"/>
+            <a:endParaRPr lang="ru-RU"/>
           </a:p>
         </p:txBody>
       </p:sp>
@@ -283,18 +306,18 @@
           <a:bodyPr/>
           <a:lstStyle/>
           <a:p>
-            <a:fld id="{F35B7B63-6E0E-4A0F-B00E-4D612D97BCCB}" type="slidenum">
-              <a:rPr lang="en-US" smtClean="0"/>
+            <a:fld id="{CD3F01F9-367C-49FA-A203-14AC9F137298}" type="slidenum">
+              <a:rPr lang="ru-RU" smtClean="0"/>
               <a:t>‹#›</a:t>
             </a:fld>
-            <a:endParaRPr lang="en-US"/>
+            <a:endParaRPr lang="ru-RU"/>
           </a:p>
         </p:txBody>
       </p:sp>
     </p:spTree>
     <p:extLst>
       <p:ext uri="{BB962C8B-B14F-4D97-AF65-F5344CB8AC3E}">
-        <p14:creationId xmlns:p14="http://schemas.microsoft.com/office/powerpoint/2010/main" val="1726920058"/>
+        <p14:creationId xmlns:p14="http://schemas.microsoft.com/office/powerpoint/2010/main" val="1087717243"/>
       </p:ext>
     </p:extLst>
   </p:cSld>
@@ -306,7 +329,7 @@
 
 <file path=ppt/slideLayouts/slideLayout10.xml><?xml version="1.0" encoding="utf-8"?>
 <p:sldLayout xmlns:a="http://schemas.openxmlformats.org/drawingml/2006/main" xmlns:r="http://schemas.openxmlformats.org/officeDocument/2006/relationships" xmlns:p="http://schemas.openxmlformats.org/presentationml/2006/main" type="vertTx" preserve="1">
-  <p:cSld name="Title and Vertical Text">
+  <p:cSld name="Заголовок и вертикальный текст">
     <p:spTree>
       <p:nvGrpSpPr>
         <p:cNvPr id="1" name=""/>
@@ -337,8 +360,8 @@
           <a:lstStyle/>
           <a:p>
             <a:r>
-              <a:rPr lang="en-US"/>
-              <a:t>Click to edit Master title style</a:t>
+              <a:rPr lang="ru-RU"/>
+              <a:t>Образец заголовка</a:t>
             </a:r>
             <a:endParaRPr lang="en-US" dirty="0"/>
           </a:p>
@@ -361,36 +384,36 @@
           <a:p>
             <a:pPr lvl="0"/>
             <a:r>
-              <a:rPr lang="en-US"/>
-              <a:t>Click to edit Master text styles</a:t>
+              <a:rPr lang="ru-RU"/>
+              <a:t>Образец текста</a:t>
             </a:r>
           </a:p>
           <a:p>
             <a:pPr lvl="1"/>
             <a:r>
-              <a:rPr lang="en-US"/>
-              <a:t>Second level</a:t>
+              <a:rPr lang="ru-RU"/>
+              <a:t>Второй уровень</a:t>
             </a:r>
           </a:p>
           <a:p>
             <a:pPr lvl="2"/>
             <a:r>
-              <a:rPr lang="en-US"/>
-              <a:t>Third level</a:t>
+              <a:rPr lang="ru-RU"/>
+              <a:t>Третий уровень</a:t>
             </a:r>
           </a:p>
           <a:p>
             <a:pPr lvl="3"/>
             <a:r>
-              <a:rPr lang="en-US"/>
-              <a:t>Fourth level</a:t>
+              <a:rPr lang="ru-RU"/>
+              <a:t>Четвертый уровень</a:t>
             </a:r>
           </a:p>
           <a:p>
             <a:pPr lvl="4"/>
             <a:r>
-              <a:rPr lang="en-US"/>
-              <a:t>Fifth level</a:t>
+              <a:rPr lang="ru-RU"/>
+              <a:t>Пятый уровень</a:t>
             </a:r>
             <a:endParaRPr lang="en-US" dirty="0"/>
           </a:p>
@@ -411,11 +434,11 @@
           <a:bodyPr/>
           <a:lstStyle/>
           <a:p>
-            <a:fld id="{B418B788-A548-4410-AAA5-3B84E06E31E2}" type="datetimeFigureOut">
-              <a:rPr lang="en-US" smtClean="0"/>
-              <a:t>9/21/2021</a:t>
+            <a:fld id="{1E257FCD-A35D-4333-91E0-6F5D2CEE6E9D}" type="datetimeFigureOut">
+              <a:rPr lang="ru-RU" smtClean="0"/>
+              <a:t>24.09.2021</a:t>
             </a:fld>
-            <a:endParaRPr lang="en-US"/>
+            <a:endParaRPr lang="ru-RU"/>
           </a:p>
         </p:txBody>
       </p:sp>
@@ -434,7 +457,7 @@
           <a:bodyPr/>
           <a:lstStyle/>
           <a:p>
-            <a:endParaRPr lang="en-US"/>
+            <a:endParaRPr lang="ru-RU"/>
           </a:p>
         </p:txBody>
       </p:sp>
@@ -453,18 +476,18 @@
           <a:bodyPr/>
           <a:lstStyle/>
           <a:p>
-            <a:fld id="{F35B7B63-6E0E-4A0F-B00E-4D612D97BCCB}" type="slidenum">
-              <a:rPr lang="en-US" smtClean="0"/>
+            <a:fld id="{CD3F01F9-367C-49FA-A203-14AC9F137298}" type="slidenum">
+              <a:rPr lang="ru-RU" smtClean="0"/>
               <a:t>‹#›</a:t>
             </a:fld>
-            <a:endParaRPr lang="en-US"/>
+            <a:endParaRPr lang="ru-RU"/>
           </a:p>
         </p:txBody>
       </p:sp>
     </p:spTree>
     <p:extLst>
       <p:ext uri="{BB962C8B-B14F-4D97-AF65-F5344CB8AC3E}">
-        <p14:creationId xmlns:p14="http://schemas.microsoft.com/office/powerpoint/2010/main" val="4293285035"/>
+        <p14:creationId xmlns:p14="http://schemas.microsoft.com/office/powerpoint/2010/main" val="3889773952"/>
       </p:ext>
     </p:extLst>
   </p:cSld>
@@ -476,7 +499,7 @@
 
 <file path=ppt/slideLayouts/slideLayout11.xml><?xml version="1.0" encoding="utf-8"?>
 <p:sldLayout xmlns:a="http://schemas.openxmlformats.org/drawingml/2006/main" xmlns:r="http://schemas.openxmlformats.org/officeDocument/2006/relationships" xmlns:p="http://schemas.openxmlformats.org/presentationml/2006/main" type="vertTitleAndTx" preserve="1">
-  <p:cSld name="Vertical Title and Text">
+  <p:cSld name="Вертикальный заголовок и текст">
     <p:spTree>
       <p:nvGrpSpPr>
         <p:cNvPr id="1" name=""/>
@@ -503,8 +526,8 @@
         </p:nvSpPr>
         <p:spPr>
           <a:xfrm>
-            <a:off x="7805833" y="413978"/>
-            <a:ext cx="2351976" cy="6589440"/>
+            <a:off x="6956064" y="365125"/>
+            <a:ext cx="2095932" cy="5811838"/>
           </a:xfrm>
         </p:spPr>
         <p:txBody>
@@ -512,8 +535,8 @@
           <a:lstStyle/>
           <a:p>
             <a:r>
-              <a:rPr lang="en-US"/>
-              <a:t>Click to edit Master title style</a:t>
+              <a:rPr lang="ru-RU"/>
+              <a:t>Образец заголовка</a:t>
             </a:r>
             <a:endParaRPr lang="en-US" dirty="0"/>
           </a:p>
@@ -531,8 +554,8 @@
         </p:nvSpPr>
         <p:spPr>
           <a:xfrm>
-            <a:off x="749906" y="413978"/>
-            <a:ext cx="6919580" cy="6589440"/>
+            <a:off x="668269" y="365125"/>
+            <a:ext cx="6166292" cy="5811838"/>
           </a:xfrm>
         </p:spPr>
         <p:txBody>
@@ -541,36 +564,36 @@
           <a:p>
             <a:pPr lvl="0"/>
             <a:r>
-              <a:rPr lang="en-US"/>
-              <a:t>Click to edit Master text styles</a:t>
+              <a:rPr lang="ru-RU"/>
+              <a:t>Образец текста</a:t>
             </a:r>
           </a:p>
           <a:p>
             <a:pPr lvl="1"/>
             <a:r>
-              <a:rPr lang="en-US"/>
-              <a:t>Second level</a:t>
+              <a:rPr lang="ru-RU"/>
+              <a:t>Второй уровень</a:t>
             </a:r>
           </a:p>
           <a:p>
             <a:pPr lvl="2"/>
             <a:r>
-              <a:rPr lang="en-US"/>
-              <a:t>Third level</a:t>
+              <a:rPr lang="ru-RU"/>
+              <a:t>Третий уровень</a:t>
             </a:r>
           </a:p>
           <a:p>
             <a:pPr lvl="3"/>
             <a:r>
-              <a:rPr lang="en-US"/>
-              <a:t>Fourth level</a:t>
+              <a:rPr lang="ru-RU"/>
+              <a:t>Четвертый уровень</a:t>
             </a:r>
           </a:p>
           <a:p>
             <a:pPr lvl="4"/>
             <a:r>
-              <a:rPr lang="en-US"/>
-              <a:t>Fifth level</a:t>
+              <a:rPr lang="ru-RU"/>
+              <a:t>Пятый уровень</a:t>
             </a:r>
             <a:endParaRPr lang="en-US" dirty="0"/>
           </a:p>
@@ -591,11 +614,11 @@
           <a:bodyPr/>
           <a:lstStyle/>
           <a:p>
-            <a:fld id="{B418B788-A548-4410-AAA5-3B84E06E31E2}" type="datetimeFigureOut">
-              <a:rPr lang="en-US" smtClean="0"/>
-              <a:t>9/21/2021</a:t>
+            <a:fld id="{1E257FCD-A35D-4333-91E0-6F5D2CEE6E9D}" type="datetimeFigureOut">
+              <a:rPr lang="ru-RU" smtClean="0"/>
+              <a:t>24.09.2021</a:t>
             </a:fld>
-            <a:endParaRPr lang="en-US"/>
+            <a:endParaRPr lang="ru-RU"/>
           </a:p>
         </p:txBody>
       </p:sp>
@@ -614,7 +637,7 @@
           <a:bodyPr/>
           <a:lstStyle/>
           <a:p>
-            <a:endParaRPr lang="en-US"/>
+            <a:endParaRPr lang="ru-RU"/>
           </a:p>
         </p:txBody>
       </p:sp>
@@ -633,18 +656,18 @@
           <a:bodyPr/>
           <a:lstStyle/>
           <a:p>
-            <a:fld id="{F35B7B63-6E0E-4A0F-B00E-4D612D97BCCB}" type="slidenum">
-              <a:rPr lang="en-US" smtClean="0"/>
+            <a:fld id="{CD3F01F9-367C-49FA-A203-14AC9F137298}" type="slidenum">
+              <a:rPr lang="ru-RU" smtClean="0"/>
               <a:t>‹#›</a:t>
             </a:fld>
-            <a:endParaRPr lang="en-US"/>
+            <a:endParaRPr lang="ru-RU"/>
           </a:p>
         </p:txBody>
       </p:sp>
     </p:spTree>
     <p:extLst>
       <p:ext uri="{BB962C8B-B14F-4D97-AF65-F5344CB8AC3E}">
-        <p14:creationId xmlns:p14="http://schemas.microsoft.com/office/powerpoint/2010/main" val="3340101986"/>
+        <p14:creationId xmlns:p14="http://schemas.microsoft.com/office/powerpoint/2010/main" val="3206148251"/>
       </p:ext>
     </p:extLst>
   </p:cSld>
@@ -656,7 +679,7 @@
 
 <file path=ppt/slideLayouts/slideLayout2.xml><?xml version="1.0" encoding="utf-8"?>
 <p:sldLayout xmlns:a="http://schemas.openxmlformats.org/drawingml/2006/main" xmlns:r="http://schemas.openxmlformats.org/officeDocument/2006/relationships" xmlns:p="http://schemas.openxmlformats.org/presentationml/2006/main" type="obj" preserve="1">
-  <p:cSld name="Title and Content">
+  <p:cSld name="Заголовок и объект">
     <p:spTree>
       <p:nvGrpSpPr>
         <p:cNvPr id="1" name=""/>
@@ -687,8 +710,8 @@
           <a:lstStyle/>
           <a:p>
             <a:r>
-              <a:rPr lang="en-US"/>
-              <a:t>Click to edit Master title style</a:t>
+              <a:rPr lang="ru-RU"/>
+              <a:t>Образец заголовка</a:t>
             </a:r>
             <a:endParaRPr lang="en-US" dirty="0"/>
           </a:p>
@@ -711,36 +734,36 @@
           <a:p>
             <a:pPr lvl="0"/>
             <a:r>
-              <a:rPr lang="en-US"/>
-              <a:t>Click to edit Master text styles</a:t>
+              <a:rPr lang="ru-RU"/>
+              <a:t>Образец текста</a:t>
             </a:r>
           </a:p>
           <a:p>
             <a:pPr lvl="1"/>
             <a:r>
-              <a:rPr lang="en-US"/>
-              <a:t>Second level</a:t>
+              <a:rPr lang="ru-RU"/>
+              <a:t>Второй уровень</a:t>
             </a:r>
           </a:p>
           <a:p>
             <a:pPr lvl="2"/>
             <a:r>
-              <a:rPr lang="en-US"/>
-              <a:t>Third level</a:t>
+              <a:rPr lang="ru-RU"/>
+              <a:t>Третий уровень</a:t>
             </a:r>
           </a:p>
           <a:p>
             <a:pPr lvl="3"/>
             <a:r>
-              <a:rPr lang="en-US"/>
-              <a:t>Fourth level</a:t>
+              <a:rPr lang="ru-RU"/>
+              <a:t>Четвертый уровень</a:t>
             </a:r>
           </a:p>
           <a:p>
             <a:pPr lvl="4"/>
             <a:r>
-              <a:rPr lang="en-US"/>
-              <a:t>Fifth level</a:t>
+              <a:rPr lang="ru-RU"/>
+              <a:t>Пятый уровень</a:t>
             </a:r>
             <a:endParaRPr lang="en-US" dirty="0"/>
           </a:p>
@@ -761,11 +784,11 @@
           <a:bodyPr/>
           <a:lstStyle/>
           <a:p>
-            <a:fld id="{B418B788-A548-4410-AAA5-3B84E06E31E2}" type="datetimeFigureOut">
-              <a:rPr lang="en-US" smtClean="0"/>
-              <a:t>9/21/2021</a:t>
+            <a:fld id="{1E257FCD-A35D-4333-91E0-6F5D2CEE6E9D}" type="datetimeFigureOut">
+              <a:rPr lang="ru-RU" smtClean="0"/>
+              <a:t>24.09.2021</a:t>
             </a:fld>
-            <a:endParaRPr lang="en-US"/>
+            <a:endParaRPr lang="ru-RU"/>
           </a:p>
         </p:txBody>
       </p:sp>
@@ -784,7 +807,7 @@
           <a:bodyPr/>
           <a:lstStyle/>
           <a:p>
-            <a:endParaRPr lang="en-US"/>
+            <a:endParaRPr lang="ru-RU"/>
           </a:p>
         </p:txBody>
       </p:sp>
@@ -803,18 +826,18 @@
           <a:bodyPr/>
           <a:lstStyle/>
           <a:p>
-            <a:fld id="{F35B7B63-6E0E-4A0F-B00E-4D612D97BCCB}" type="slidenum">
-              <a:rPr lang="en-US" smtClean="0"/>
+            <a:fld id="{CD3F01F9-367C-49FA-A203-14AC9F137298}" type="slidenum">
+              <a:rPr lang="ru-RU" smtClean="0"/>
               <a:t>‹#›</a:t>
             </a:fld>
-            <a:endParaRPr lang="en-US"/>
+            <a:endParaRPr lang="ru-RU"/>
           </a:p>
         </p:txBody>
       </p:sp>
     </p:spTree>
     <p:extLst>
       <p:ext uri="{BB962C8B-B14F-4D97-AF65-F5344CB8AC3E}">
-        <p14:creationId xmlns:p14="http://schemas.microsoft.com/office/powerpoint/2010/main" val="1518911594"/>
+        <p14:creationId xmlns:p14="http://schemas.microsoft.com/office/powerpoint/2010/main" val="213510314"/>
       </p:ext>
     </p:extLst>
   </p:cSld>
@@ -826,7 +849,7 @@
 
 <file path=ppt/slideLayouts/slideLayout3.xml><?xml version="1.0" encoding="utf-8"?>
 <p:sldLayout xmlns:a="http://schemas.openxmlformats.org/drawingml/2006/main" xmlns:r="http://schemas.openxmlformats.org/officeDocument/2006/relationships" xmlns:p="http://schemas.openxmlformats.org/presentationml/2006/main" type="secHead" preserve="1">
-  <p:cSld name="Section Header">
+  <p:cSld name="Заголовок раздела">
     <p:spTree>
       <p:nvGrpSpPr>
         <p:cNvPr id="1" name=""/>
@@ -853,21 +876,21 @@
         </p:nvSpPr>
         <p:spPr>
           <a:xfrm>
-            <a:off x="744225" y="1938496"/>
-            <a:ext cx="9407902" cy="3234423"/>
+            <a:off x="663206" y="1709740"/>
+            <a:ext cx="8383727" cy="2852737"/>
           </a:xfrm>
         </p:spPr>
         <p:txBody>
           <a:bodyPr anchor="b"/>
           <a:lstStyle>
             <a:lvl1pPr>
-              <a:defRPr sz="6803"/>
+              <a:defRPr sz="6000"/>
             </a:lvl1pPr>
           </a:lstStyle>
           <a:p>
             <a:r>
-              <a:rPr lang="en-US"/>
-              <a:t>Click to edit Master title style</a:t>
+              <a:rPr lang="ru-RU"/>
+              <a:t>Образец заголовка</a:t>
             </a:r>
             <a:endParaRPr lang="en-US" dirty="0"/>
           </a:p>
@@ -885,8 +908,8 @@
         </p:nvSpPr>
         <p:spPr>
           <a:xfrm>
-            <a:off x="744225" y="5203518"/>
-            <a:ext cx="9407902" cy="1700906"/>
+            <a:off x="663206" y="4589465"/>
+            <a:ext cx="8383727" cy="1500187"/>
           </a:xfrm>
         </p:spPr>
         <p:txBody>
@@ -894,15 +917,15 @@
           <a:lstStyle>
             <a:lvl1pPr marL="0" indent="0">
               <a:buNone/>
-              <a:defRPr sz="2721">
+              <a:defRPr sz="2400">
                 <a:solidFill>
                   <a:schemeClr val="tx1"/>
                 </a:solidFill>
               </a:defRPr>
             </a:lvl1pPr>
-            <a:lvl2pPr marL="518373" indent="0">
-              <a:buNone/>
-              <a:defRPr sz="2268">
+            <a:lvl2pPr marL="457200" indent="0">
+              <a:buNone/>
+              <a:defRPr sz="2000">
                 <a:solidFill>
                   <a:schemeClr val="tx1">
                     <a:tint val="75000"/>
@@ -910,9 +933,9 @@
                 </a:solidFill>
               </a:defRPr>
             </a:lvl2pPr>
-            <a:lvl3pPr marL="1036747" indent="0">
-              <a:buNone/>
-              <a:defRPr sz="2041">
+            <a:lvl3pPr marL="914400" indent="0">
+              <a:buNone/>
+              <a:defRPr sz="1800">
                 <a:solidFill>
                   <a:schemeClr val="tx1">
                     <a:tint val="75000"/>
@@ -920,9 +943,9 @@
                 </a:solidFill>
               </a:defRPr>
             </a:lvl3pPr>
-            <a:lvl4pPr marL="1555120" indent="0">
-              <a:buNone/>
-              <a:defRPr sz="1814">
+            <a:lvl4pPr marL="1371600" indent="0">
+              <a:buNone/>
+              <a:defRPr sz="1600">
                 <a:solidFill>
                   <a:schemeClr val="tx1">
                     <a:tint val="75000"/>
@@ -930,9 +953,9 @@
                 </a:solidFill>
               </a:defRPr>
             </a:lvl4pPr>
-            <a:lvl5pPr marL="2073493" indent="0">
-              <a:buNone/>
-              <a:defRPr sz="1814">
+            <a:lvl5pPr marL="1828800" indent="0">
+              <a:buNone/>
+              <a:defRPr sz="1600">
                 <a:solidFill>
                   <a:schemeClr val="tx1">
                     <a:tint val="75000"/>
@@ -940,9 +963,9 @@
                 </a:solidFill>
               </a:defRPr>
             </a:lvl5pPr>
-            <a:lvl6pPr marL="2591867" indent="0">
-              <a:buNone/>
-              <a:defRPr sz="1814">
+            <a:lvl6pPr marL="2286000" indent="0">
+              <a:buNone/>
+              <a:defRPr sz="1600">
                 <a:solidFill>
                   <a:schemeClr val="tx1">
                     <a:tint val="75000"/>
@@ -950,9 +973,9 @@
                 </a:solidFill>
               </a:defRPr>
             </a:lvl6pPr>
-            <a:lvl7pPr marL="3110240" indent="0">
-              <a:buNone/>
-              <a:defRPr sz="1814">
+            <a:lvl7pPr marL="2743200" indent="0">
+              <a:buNone/>
+              <a:defRPr sz="1600">
                 <a:solidFill>
                   <a:schemeClr val="tx1">
                     <a:tint val="75000"/>
@@ -960,9 +983,9 @@
                 </a:solidFill>
               </a:defRPr>
             </a:lvl7pPr>
-            <a:lvl8pPr marL="3628614" indent="0">
-              <a:buNone/>
-              <a:defRPr sz="1814">
+            <a:lvl8pPr marL="3200400" indent="0">
+              <a:buNone/>
+              <a:defRPr sz="1600">
                 <a:solidFill>
                   <a:schemeClr val="tx1">
                     <a:tint val="75000"/>
@@ -970,9 +993,9 @@
                 </a:solidFill>
               </a:defRPr>
             </a:lvl8pPr>
-            <a:lvl9pPr marL="4146987" indent="0">
-              <a:buNone/>
-              <a:defRPr sz="1814">
+            <a:lvl9pPr marL="3657600" indent="0">
+              <a:buNone/>
+              <a:defRPr sz="1600">
                 <a:solidFill>
                   <a:schemeClr val="tx1">
                     <a:tint val="75000"/>
@@ -984,8 +1007,8 @@
           <a:p>
             <a:pPr lvl="0"/>
             <a:r>
-              <a:rPr lang="en-US"/>
-              <a:t>Click to edit Master text styles</a:t>
+              <a:rPr lang="ru-RU"/>
+              <a:t>Образец текста</a:t>
             </a:r>
           </a:p>
         </p:txBody>
@@ -1005,11 +1028,11 @@
           <a:bodyPr/>
           <a:lstStyle/>
           <a:p>
-            <a:fld id="{B418B788-A548-4410-AAA5-3B84E06E31E2}" type="datetimeFigureOut">
-              <a:rPr lang="en-US" smtClean="0"/>
-              <a:t>9/21/2021</a:t>
+            <a:fld id="{1E257FCD-A35D-4333-91E0-6F5D2CEE6E9D}" type="datetimeFigureOut">
+              <a:rPr lang="ru-RU" smtClean="0"/>
+              <a:t>24.09.2021</a:t>
             </a:fld>
-            <a:endParaRPr lang="en-US"/>
+            <a:endParaRPr lang="ru-RU"/>
           </a:p>
         </p:txBody>
       </p:sp>
@@ -1028,7 +1051,7 @@
           <a:bodyPr/>
           <a:lstStyle/>
           <a:p>
-            <a:endParaRPr lang="en-US"/>
+            <a:endParaRPr lang="ru-RU"/>
           </a:p>
         </p:txBody>
       </p:sp>
@@ -1047,18 +1070,18 @@
           <a:bodyPr/>
           <a:lstStyle/>
           <a:p>
-            <a:fld id="{F35B7B63-6E0E-4A0F-B00E-4D612D97BCCB}" type="slidenum">
-              <a:rPr lang="en-US" smtClean="0"/>
+            <a:fld id="{CD3F01F9-367C-49FA-A203-14AC9F137298}" type="slidenum">
+              <a:rPr lang="ru-RU" smtClean="0"/>
               <a:t>‹#›</a:t>
             </a:fld>
-            <a:endParaRPr lang="en-US"/>
+            <a:endParaRPr lang="ru-RU"/>
           </a:p>
         </p:txBody>
       </p:sp>
     </p:spTree>
     <p:extLst>
       <p:ext uri="{BB962C8B-B14F-4D97-AF65-F5344CB8AC3E}">
-        <p14:creationId xmlns:p14="http://schemas.microsoft.com/office/powerpoint/2010/main" val="135202001"/>
+        <p14:creationId xmlns:p14="http://schemas.microsoft.com/office/powerpoint/2010/main" val="1353368738"/>
       </p:ext>
     </p:extLst>
   </p:cSld>
@@ -1070,7 +1093,7 @@
 
 <file path=ppt/slideLayouts/slideLayout4.xml><?xml version="1.0" encoding="utf-8"?>
 <p:sldLayout xmlns:a="http://schemas.openxmlformats.org/drawingml/2006/main" xmlns:r="http://schemas.openxmlformats.org/officeDocument/2006/relationships" xmlns:p="http://schemas.openxmlformats.org/presentationml/2006/main" type="twoObj" preserve="1">
-  <p:cSld name="Two Content">
+  <p:cSld name="Два объекта">
     <p:spTree>
       <p:nvGrpSpPr>
         <p:cNvPr id="1" name=""/>
@@ -1101,8 +1124,8 @@
           <a:lstStyle/>
           <a:p>
             <a:r>
-              <a:rPr lang="en-US"/>
-              <a:t>Click to edit Master title style</a:t>
+              <a:rPr lang="ru-RU"/>
+              <a:t>Образец заголовка</a:t>
             </a:r>
             <a:endParaRPr lang="en-US" dirty="0"/>
           </a:p>
@@ -1120,8 +1143,8 @@
         </p:nvSpPr>
         <p:spPr>
           <a:xfrm>
-            <a:off x="749905" y="2069887"/>
-            <a:ext cx="4635778" cy="4933531"/>
+            <a:off x="668268" y="1825625"/>
+            <a:ext cx="4131112" cy="4351338"/>
           </a:xfrm>
         </p:spPr>
         <p:txBody>
@@ -1130,36 +1153,36 @@
           <a:p>
             <a:pPr lvl="0"/>
             <a:r>
-              <a:rPr lang="en-US"/>
-              <a:t>Click to edit Master text styles</a:t>
+              <a:rPr lang="ru-RU"/>
+              <a:t>Образец текста</a:t>
             </a:r>
           </a:p>
           <a:p>
             <a:pPr lvl="1"/>
             <a:r>
-              <a:rPr lang="en-US"/>
-              <a:t>Second level</a:t>
+              <a:rPr lang="ru-RU"/>
+              <a:t>Второй уровень</a:t>
             </a:r>
           </a:p>
           <a:p>
             <a:pPr lvl="2"/>
             <a:r>
-              <a:rPr lang="en-US"/>
-              <a:t>Third level</a:t>
+              <a:rPr lang="ru-RU"/>
+              <a:t>Третий уровень</a:t>
             </a:r>
           </a:p>
           <a:p>
             <a:pPr lvl="3"/>
             <a:r>
-              <a:rPr lang="en-US"/>
-              <a:t>Fourth level</a:t>
+              <a:rPr lang="ru-RU"/>
+              <a:t>Четвертый уровень</a:t>
             </a:r>
           </a:p>
           <a:p>
             <a:pPr lvl="4"/>
             <a:r>
-              <a:rPr lang="en-US"/>
-              <a:t>Fifth level</a:t>
+              <a:rPr lang="ru-RU"/>
+              <a:t>Пятый уровень</a:t>
             </a:r>
             <a:endParaRPr lang="en-US" dirty="0"/>
           </a:p>
@@ -1177,8 +1200,8 @@
         </p:nvSpPr>
         <p:spPr>
           <a:xfrm>
-            <a:off x="5522030" y="2069887"/>
-            <a:ext cx="4635778" cy="4933531"/>
+            <a:off x="4920883" y="1825625"/>
+            <a:ext cx="4131112" cy="4351338"/>
           </a:xfrm>
         </p:spPr>
         <p:txBody>
@@ -1187,36 +1210,36 @@
           <a:p>
             <a:pPr lvl="0"/>
             <a:r>
-              <a:rPr lang="en-US"/>
-              <a:t>Click to edit Master text styles</a:t>
+              <a:rPr lang="ru-RU"/>
+              <a:t>Образец текста</a:t>
             </a:r>
           </a:p>
           <a:p>
             <a:pPr lvl="1"/>
             <a:r>
-              <a:rPr lang="en-US"/>
-              <a:t>Second level</a:t>
+              <a:rPr lang="ru-RU"/>
+              <a:t>Второй уровень</a:t>
             </a:r>
           </a:p>
           <a:p>
             <a:pPr lvl="2"/>
             <a:r>
-              <a:rPr lang="en-US"/>
-              <a:t>Third level</a:t>
+              <a:rPr lang="ru-RU"/>
+              <a:t>Третий уровень</a:t>
             </a:r>
           </a:p>
           <a:p>
             <a:pPr lvl="3"/>
             <a:r>
-              <a:rPr lang="en-US"/>
-              <a:t>Fourth level</a:t>
+              <a:rPr lang="ru-RU"/>
+              <a:t>Четвертый уровень</a:t>
             </a:r>
           </a:p>
           <a:p>
             <a:pPr lvl="4"/>
             <a:r>
-              <a:rPr lang="en-US"/>
-              <a:t>Fifth level</a:t>
+              <a:rPr lang="ru-RU"/>
+              <a:t>Пятый уровень</a:t>
             </a:r>
             <a:endParaRPr lang="en-US" dirty="0"/>
           </a:p>
@@ -1237,11 +1260,11 @@
           <a:bodyPr/>
           <a:lstStyle/>
           <a:p>
-            <a:fld id="{B418B788-A548-4410-AAA5-3B84E06E31E2}" type="datetimeFigureOut">
-              <a:rPr lang="en-US" smtClean="0"/>
-              <a:t>9/21/2021</a:t>
+            <a:fld id="{1E257FCD-A35D-4333-91E0-6F5D2CEE6E9D}" type="datetimeFigureOut">
+              <a:rPr lang="ru-RU" smtClean="0"/>
+              <a:t>24.09.2021</a:t>
             </a:fld>
-            <a:endParaRPr lang="en-US"/>
+            <a:endParaRPr lang="ru-RU"/>
           </a:p>
         </p:txBody>
       </p:sp>
@@ -1260,7 +1283,7 @@
           <a:bodyPr/>
           <a:lstStyle/>
           <a:p>
-            <a:endParaRPr lang="en-US"/>
+            <a:endParaRPr lang="ru-RU"/>
           </a:p>
         </p:txBody>
       </p:sp>
@@ -1279,18 +1302,18 @@
           <a:bodyPr/>
           <a:lstStyle/>
           <a:p>
-            <a:fld id="{F35B7B63-6E0E-4A0F-B00E-4D612D97BCCB}" type="slidenum">
-              <a:rPr lang="en-US" smtClean="0"/>
+            <a:fld id="{CD3F01F9-367C-49FA-A203-14AC9F137298}" type="slidenum">
+              <a:rPr lang="ru-RU" smtClean="0"/>
               <a:t>‹#›</a:t>
             </a:fld>
-            <a:endParaRPr lang="en-US"/>
+            <a:endParaRPr lang="ru-RU"/>
           </a:p>
         </p:txBody>
       </p:sp>
     </p:spTree>
     <p:extLst>
       <p:ext uri="{BB962C8B-B14F-4D97-AF65-F5344CB8AC3E}">
-        <p14:creationId xmlns:p14="http://schemas.microsoft.com/office/powerpoint/2010/main" val="833373300"/>
+        <p14:creationId xmlns:p14="http://schemas.microsoft.com/office/powerpoint/2010/main" val="3418212987"/>
       </p:ext>
     </p:extLst>
   </p:cSld>
@@ -1302,7 +1325,7 @@
 
 <file path=ppt/slideLayouts/slideLayout5.xml><?xml version="1.0" encoding="utf-8"?>
 <p:sldLayout xmlns:a="http://schemas.openxmlformats.org/drawingml/2006/main" xmlns:r="http://schemas.openxmlformats.org/officeDocument/2006/relationships" xmlns:p="http://schemas.openxmlformats.org/presentationml/2006/main" type="twoTxTwoObj" preserve="1">
-  <p:cSld name="Comparison">
+  <p:cSld name="Сравнение">
     <p:spTree>
       <p:nvGrpSpPr>
         <p:cNvPr id="1" name=""/>
@@ -1329,8 +1352,8 @@
         </p:nvSpPr>
         <p:spPr>
           <a:xfrm>
-            <a:off x="751326" y="413979"/>
-            <a:ext cx="9407902" cy="1502918"/>
+            <a:off x="669534" y="365127"/>
+            <a:ext cx="8383727" cy="1325563"/>
           </a:xfrm>
         </p:spPr>
         <p:txBody>
@@ -1338,8 +1361,8 @@
           <a:lstStyle/>
           <a:p>
             <a:r>
-              <a:rPr lang="en-US"/>
-              <a:t>Click to edit Master title style</a:t>
+              <a:rPr lang="ru-RU"/>
+              <a:t>Образец заголовка</a:t>
             </a:r>
             <a:endParaRPr lang="en-US" dirty="0"/>
           </a:p>
@@ -1357,8 +1380,8 @@
         </p:nvSpPr>
         <p:spPr>
           <a:xfrm>
-            <a:off x="751327" y="1906097"/>
-            <a:ext cx="4614473" cy="934148"/>
+            <a:off x="669535" y="1681163"/>
+            <a:ext cx="4112126" cy="823912"/>
           </a:xfrm>
         </p:spPr>
         <p:txBody>
@@ -1366,46 +1389,46 @@
           <a:lstStyle>
             <a:lvl1pPr marL="0" indent="0">
               <a:buNone/>
-              <a:defRPr sz="2721" b="1"/>
+              <a:defRPr sz="2400" b="1"/>
             </a:lvl1pPr>
-            <a:lvl2pPr marL="518373" indent="0">
-              <a:buNone/>
-              <a:defRPr sz="2268" b="1"/>
+            <a:lvl2pPr marL="457200" indent="0">
+              <a:buNone/>
+              <a:defRPr sz="2000" b="1"/>
             </a:lvl2pPr>
-            <a:lvl3pPr marL="1036747" indent="0">
-              <a:buNone/>
-              <a:defRPr sz="2041" b="1"/>
+            <a:lvl3pPr marL="914400" indent="0">
+              <a:buNone/>
+              <a:defRPr sz="1800" b="1"/>
             </a:lvl3pPr>
-            <a:lvl4pPr marL="1555120" indent="0">
-              <a:buNone/>
-              <a:defRPr sz="1814" b="1"/>
+            <a:lvl4pPr marL="1371600" indent="0">
+              <a:buNone/>
+              <a:defRPr sz="1600" b="1"/>
             </a:lvl4pPr>
-            <a:lvl5pPr marL="2073493" indent="0">
-              <a:buNone/>
-              <a:defRPr sz="1814" b="1"/>
+            <a:lvl5pPr marL="1828800" indent="0">
+              <a:buNone/>
+              <a:defRPr sz="1600" b="1"/>
             </a:lvl5pPr>
-            <a:lvl6pPr marL="2591867" indent="0">
-              <a:buNone/>
-              <a:defRPr sz="1814" b="1"/>
+            <a:lvl6pPr marL="2286000" indent="0">
+              <a:buNone/>
+              <a:defRPr sz="1600" b="1"/>
             </a:lvl6pPr>
-            <a:lvl7pPr marL="3110240" indent="0">
-              <a:buNone/>
-              <a:defRPr sz="1814" b="1"/>
+            <a:lvl7pPr marL="2743200" indent="0">
+              <a:buNone/>
+              <a:defRPr sz="1600" b="1"/>
             </a:lvl7pPr>
-            <a:lvl8pPr marL="3628614" indent="0">
-              <a:buNone/>
-              <a:defRPr sz="1814" b="1"/>
+            <a:lvl8pPr marL="3200400" indent="0">
+              <a:buNone/>
+              <a:defRPr sz="1600" b="1"/>
             </a:lvl8pPr>
-            <a:lvl9pPr marL="4146987" indent="0">
-              <a:buNone/>
-              <a:defRPr sz="1814" b="1"/>
+            <a:lvl9pPr marL="3657600" indent="0">
+              <a:buNone/>
+              <a:defRPr sz="1600" b="1"/>
             </a:lvl9pPr>
           </a:lstStyle>
           <a:p>
             <a:pPr lvl="0"/>
             <a:r>
-              <a:rPr lang="en-US"/>
-              <a:t>Click to edit Master text styles</a:t>
+              <a:rPr lang="ru-RU"/>
+              <a:t>Образец текста</a:t>
             </a:r>
           </a:p>
         </p:txBody>
@@ -1422,8 +1445,8 @@
         </p:nvSpPr>
         <p:spPr>
           <a:xfrm>
-            <a:off x="751327" y="2840245"/>
-            <a:ext cx="4614473" cy="4177572"/>
+            <a:off x="669535" y="2505075"/>
+            <a:ext cx="4112126" cy="3684588"/>
           </a:xfrm>
         </p:spPr>
         <p:txBody>
@@ -1432,36 +1455,36 @@
           <a:p>
             <a:pPr lvl="0"/>
             <a:r>
-              <a:rPr lang="en-US"/>
-              <a:t>Click to edit Master text styles</a:t>
+              <a:rPr lang="ru-RU"/>
+              <a:t>Образец текста</a:t>
             </a:r>
           </a:p>
           <a:p>
             <a:pPr lvl="1"/>
             <a:r>
-              <a:rPr lang="en-US"/>
-              <a:t>Second level</a:t>
+              <a:rPr lang="ru-RU"/>
+              <a:t>Второй уровень</a:t>
             </a:r>
           </a:p>
           <a:p>
             <a:pPr lvl="2"/>
             <a:r>
-              <a:rPr lang="en-US"/>
-              <a:t>Third level</a:t>
+              <a:rPr lang="ru-RU"/>
+              <a:t>Третий уровень</a:t>
             </a:r>
           </a:p>
           <a:p>
             <a:pPr lvl="3"/>
             <a:r>
-              <a:rPr lang="en-US"/>
-              <a:t>Fourth level</a:t>
+              <a:rPr lang="ru-RU"/>
+              <a:t>Четвертый уровень</a:t>
             </a:r>
           </a:p>
           <a:p>
             <a:pPr lvl="4"/>
             <a:r>
-              <a:rPr lang="en-US"/>
-              <a:t>Fifth level</a:t>
+              <a:rPr lang="ru-RU"/>
+              <a:t>Пятый уровень</a:t>
             </a:r>
             <a:endParaRPr lang="en-US" dirty="0"/>
           </a:p>
@@ -1479,8 +1502,8 @@
         </p:nvSpPr>
         <p:spPr>
           <a:xfrm>
-            <a:off x="5522030" y="1906097"/>
-            <a:ext cx="4637199" cy="934148"/>
+            <a:off x="4920884" y="1681163"/>
+            <a:ext cx="4132378" cy="823912"/>
           </a:xfrm>
         </p:spPr>
         <p:txBody>
@@ -1488,46 +1511,46 @@
           <a:lstStyle>
             <a:lvl1pPr marL="0" indent="0">
               <a:buNone/>
-              <a:defRPr sz="2721" b="1"/>
+              <a:defRPr sz="2400" b="1"/>
             </a:lvl1pPr>
-            <a:lvl2pPr marL="518373" indent="0">
-              <a:buNone/>
-              <a:defRPr sz="2268" b="1"/>
+            <a:lvl2pPr marL="457200" indent="0">
+              <a:buNone/>
+              <a:defRPr sz="2000" b="1"/>
             </a:lvl2pPr>
-            <a:lvl3pPr marL="1036747" indent="0">
-              <a:buNone/>
-              <a:defRPr sz="2041" b="1"/>
+            <a:lvl3pPr marL="914400" indent="0">
+              <a:buNone/>
+              <a:defRPr sz="1800" b="1"/>
             </a:lvl3pPr>
-            <a:lvl4pPr marL="1555120" indent="0">
-              <a:buNone/>
-              <a:defRPr sz="1814" b="1"/>
+            <a:lvl4pPr marL="1371600" indent="0">
+              <a:buNone/>
+              <a:defRPr sz="1600" b="1"/>
             </a:lvl4pPr>
-            <a:lvl5pPr marL="2073493" indent="0">
-              <a:buNone/>
-              <a:defRPr sz="1814" b="1"/>
+            <a:lvl5pPr marL="1828800" indent="0">
+              <a:buNone/>
+              <a:defRPr sz="1600" b="1"/>
             </a:lvl5pPr>
-            <a:lvl6pPr marL="2591867" indent="0">
-              <a:buNone/>
-              <a:defRPr sz="1814" b="1"/>
+            <a:lvl6pPr marL="2286000" indent="0">
+              <a:buNone/>
+              <a:defRPr sz="1600" b="1"/>
             </a:lvl6pPr>
-            <a:lvl7pPr marL="3110240" indent="0">
-              <a:buNone/>
-              <a:defRPr sz="1814" b="1"/>
+            <a:lvl7pPr marL="2743200" indent="0">
+              <a:buNone/>
+              <a:defRPr sz="1600" b="1"/>
             </a:lvl7pPr>
-            <a:lvl8pPr marL="3628614" indent="0">
-              <a:buNone/>
-              <a:defRPr sz="1814" b="1"/>
+            <a:lvl8pPr marL="3200400" indent="0">
+              <a:buNone/>
+              <a:defRPr sz="1600" b="1"/>
             </a:lvl8pPr>
-            <a:lvl9pPr marL="4146987" indent="0">
-              <a:buNone/>
-              <a:defRPr sz="1814" b="1"/>
+            <a:lvl9pPr marL="3657600" indent="0">
+              <a:buNone/>
+              <a:defRPr sz="1600" b="1"/>
             </a:lvl9pPr>
           </a:lstStyle>
           <a:p>
             <a:pPr lvl="0"/>
             <a:r>
-              <a:rPr lang="en-US"/>
-              <a:t>Click to edit Master text styles</a:t>
+              <a:rPr lang="ru-RU"/>
+              <a:t>Образец текста</a:t>
             </a:r>
           </a:p>
         </p:txBody>
@@ -1544,8 +1567,8 @@
         </p:nvSpPr>
         <p:spPr>
           <a:xfrm>
-            <a:off x="5522030" y="2840245"/>
-            <a:ext cx="4637199" cy="4177572"/>
+            <a:off x="4920884" y="2505075"/>
+            <a:ext cx="4132378" cy="3684588"/>
           </a:xfrm>
         </p:spPr>
         <p:txBody>
@@ -1554,36 +1577,36 @@
           <a:p>
             <a:pPr lvl="0"/>
             <a:r>
-              <a:rPr lang="en-US"/>
-              <a:t>Click to edit Master text styles</a:t>
+              <a:rPr lang="ru-RU"/>
+              <a:t>Образец текста</a:t>
             </a:r>
           </a:p>
           <a:p>
             <a:pPr lvl="1"/>
             <a:r>
-              <a:rPr lang="en-US"/>
-              <a:t>Second level</a:t>
+              <a:rPr lang="ru-RU"/>
+              <a:t>Второй уровень</a:t>
             </a:r>
           </a:p>
           <a:p>
             <a:pPr lvl="2"/>
             <a:r>
-              <a:rPr lang="en-US"/>
-              <a:t>Third level</a:t>
+              <a:rPr lang="ru-RU"/>
+              <a:t>Третий уровень</a:t>
             </a:r>
           </a:p>
           <a:p>
             <a:pPr lvl="3"/>
             <a:r>
-              <a:rPr lang="en-US"/>
-              <a:t>Fourth level</a:t>
+              <a:rPr lang="ru-RU"/>
+              <a:t>Четвертый уровень</a:t>
             </a:r>
           </a:p>
           <a:p>
             <a:pPr lvl="4"/>
             <a:r>
-              <a:rPr lang="en-US"/>
-              <a:t>Fifth level</a:t>
+              <a:rPr lang="ru-RU"/>
+              <a:t>Пятый уровень</a:t>
             </a:r>
             <a:endParaRPr lang="en-US" dirty="0"/>
           </a:p>
@@ -1604,11 +1627,11 @@
           <a:bodyPr/>
           <a:lstStyle/>
           <a:p>
-            <a:fld id="{B418B788-A548-4410-AAA5-3B84E06E31E2}" type="datetimeFigureOut">
-              <a:rPr lang="en-US" smtClean="0"/>
-              <a:t>9/21/2021</a:t>
+            <a:fld id="{1E257FCD-A35D-4333-91E0-6F5D2CEE6E9D}" type="datetimeFigureOut">
+              <a:rPr lang="ru-RU" smtClean="0"/>
+              <a:t>24.09.2021</a:t>
             </a:fld>
-            <a:endParaRPr lang="en-US"/>
+            <a:endParaRPr lang="ru-RU"/>
           </a:p>
         </p:txBody>
       </p:sp>
@@ -1627,7 +1650,7 @@
           <a:bodyPr/>
           <a:lstStyle/>
           <a:p>
-            <a:endParaRPr lang="en-US"/>
+            <a:endParaRPr lang="ru-RU"/>
           </a:p>
         </p:txBody>
       </p:sp>
@@ -1646,18 +1669,18 @@
           <a:bodyPr/>
           <a:lstStyle/>
           <a:p>
-            <a:fld id="{F35B7B63-6E0E-4A0F-B00E-4D612D97BCCB}" type="slidenum">
-              <a:rPr lang="en-US" smtClean="0"/>
+            <a:fld id="{CD3F01F9-367C-49FA-A203-14AC9F137298}" type="slidenum">
+              <a:rPr lang="ru-RU" smtClean="0"/>
               <a:t>‹#›</a:t>
             </a:fld>
-            <a:endParaRPr lang="en-US"/>
+            <a:endParaRPr lang="ru-RU"/>
           </a:p>
         </p:txBody>
       </p:sp>
     </p:spTree>
     <p:extLst>
       <p:ext uri="{BB962C8B-B14F-4D97-AF65-F5344CB8AC3E}">
-        <p14:creationId xmlns:p14="http://schemas.microsoft.com/office/powerpoint/2010/main" val="1266654557"/>
+        <p14:creationId xmlns:p14="http://schemas.microsoft.com/office/powerpoint/2010/main" val="1126294794"/>
       </p:ext>
     </p:extLst>
   </p:cSld>
@@ -1669,7 +1692,7 @@
 
 <file path=ppt/slideLayouts/slideLayout6.xml><?xml version="1.0" encoding="utf-8"?>
 <p:sldLayout xmlns:a="http://schemas.openxmlformats.org/drawingml/2006/main" xmlns:r="http://schemas.openxmlformats.org/officeDocument/2006/relationships" xmlns:p="http://schemas.openxmlformats.org/presentationml/2006/main" type="titleOnly" preserve="1">
-  <p:cSld name="Title Only">
+  <p:cSld name="Только заголовок">
     <p:spTree>
       <p:nvGrpSpPr>
         <p:cNvPr id="1" name=""/>
@@ -1700,8 +1723,8 @@
           <a:lstStyle/>
           <a:p>
             <a:r>
-              <a:rPr lang="en-US"/>
-              <a:t>Click to edit Master title style</a:t>
+              <a:rPr lang="ru-RU"/>
+              <a:t>Образец заголовка</a:t>
             </a:r>
             <a:endParaRPr lang="en-US" dirty="0"/>
           </a:p>
@@ -1722,11 +1745,11 @@
           <a:bodyPr/>
           <a:lstStyle/>
           <a:p>
-            <a:fld id="{B418B788-A548-4410-AAA5-3B84E06E31E2}" type="datetimeFigureOut">
-              <a:rPr lang="en-US" smtClean="0"/>
-              <a:t>9/21/2021</a:t>
+            <a:fld id="{1E257FCD-A35D-4333-91E0-6F5D2CEE6E9D}" type="datetimeFigureOut">
+              <a:rPr lang="ru-RU" smtClean="0"/>
+              <a:t>24.09.2021</a:t>
             </a:fld>
-            <a:endParaRPr lang="en-US"/>
+            <a:endParaRPr lang="ru-RU"/>
           </a:p>
         </p:txBody>
       </p:sp>
@@ -1745,7 +1768,7 @@
           <a:bodyPr/>
           <a:lstStyle/>
           <a:p>
-            <a:endParaRPr lang="en-US"/>
+            <a:endParaRPr lang="ru-RU"/>
           </a:p>
         </p:txBody>
       </p:sp>
@@ -1764,18 +1787,18 @@
           <a:bodyPr/>
           <a:lstStyle/>
           <a:p>
-            <a:fld id="{F35B7B63-6E0E-4A0F-B00E-4D612D97BCCB}" type="slidenum">
-              <a:rPr lang="en-US" smtClean="0"/>
+            <a:fld id="{CD3F01F9-367C-49FA-A203-14AC9F137298}" type="slidenum">
+              <a:rPr lang="ru-RU" smtClean="0"/>
               <a:t>‹#›</a:t>
             </a:fld>
-            <a:endParaRPr lang="en-US"/>
+            <a:endParaRPr lang="ru-RU"/>
           </a:p>
         </p:txBody>
       </p:sp>
     </p:spTree>
     <p:extLst>
       <p:ext uri="{BB962C8B-B14F-4D97-AF65-F5344CB8AC3E}">
-        <p14:creationId xmlns:p14="http://schemas.microsoft.com/office/powerpoint/2010/main" val="1415222885"/>
+        <p14:creationId xmlns:p14="http://schemas.microsoft.com/office/powerpoint/2010/main" val="1259535412"/>
       </p:ext>
     </p:extLst>
   </p:cSld>
@@ -1787,7 +1810,7 @@
 
 <file path=ppt/slideLayouts/slideLayout7.xml><?xml version="1.0" encoding="utf-8"?>
 <p:sldLayout xmlns:a="http://schemas.openxmlformats.org/drawingml/2006/main" xmlns:r="http://schemas.openxmlformats.org/officeDocument/2006/relationships" xmlns:p="http://schemas.openxmlformats.org/presentationml/2006/main" type="blank" preserve="1">
-  <p:cSld name="Blank">
+  <p:cSld name="Пустой слайд">
     <p:spTree>
       <p:nvGrpSpPr>
         <p:cNvPr id="1" name=""/>
@@ -1817,11 +1840,11 @@
           <a:bodyPr/>
           <a:lstStyle/>
           <a:p>
-            <a:fld id="{B418B788-A548-4410-AAA5-3B84E06E31E2}" type="datetimeFigureOut">
-              <a:rPr lang="en-US" smtClean="0"/>
-              <a:t>9/21/2021</a:t>
+            <a:fld id="{1E257FCD-A35D-4333-91E0-6F5D2CEE6E9D}" type="datetimeFigureOut">
+              <a:rPr lang="ru-RU" smtClean="0"/>
+              <a:t>24.09.2021</a:t>
             </a:fld>
-            <a:endParaRPr lang="en-US"/>
+            <a:endParaRPr lang="ru-RU"/>
           </a:p>
         </p:txBody>
       </p:sp>
@@ -1840,7 +1863,7 @@
           <a:bodyPr/>
           <a:lstStyle/>
           <a:p>
-            <a:endParaRPr lang="en-US"/>
+            <a:endParaRPr lang="ru-RU"/>
           </a:p>
         </p:txBody>
       </p:sp>
@@ -1859,18 +1882,18 @@
           <a:bodyPr/>
           <a:lstStyle/>
           <a:p>
-            <a:fld id="{F35B7B63-6E0E-4A0F-B00E-4D612D97BCCB}" type="slidenum">
-              <a:rPr lang="en-US" smtClean="0"/>
+            <a:fld id="{CD3F01F9-367C-49FA-A203-14AC9F137298}" type="slidenum">
+              <a:rPr lang="ru-RU" smtClean="0"/>
               <a:t>‹#›</a:t>
             </a:fld>
-            <a:endParaRPr lang="en-US"/>
+            <a:endParaRPr lang="ru-RU"/>
           </a:p>
         </p:txBody>
       </p:sp>
     </p:spTree>
     <p:extLst>
       <p:ext uri="{BB962C8B-B14F-4D97-AF65-F5344CB8AC3E}">
-        <p14:creationId xmlns:p14="http://schemas.microsoft.com/office/powerpoint/2010/main" val="3137676018"/>
+        <p14:creationId xmlns:p14="http://schemas.microsoft.com/office/powerpoint/2010/main" val="4242536919"/>
       </p:ext>
     </p:extLst>
   </p:cSld>
@@ -1882,7 +1905,7 @@
 
 <file path=ppt/slideLayouts/slideLayout8.xml><?xml version="1.0" encoding="utf-8"?>
 <p:sldLayout xmlns:a="http://schemas.openxmlformats.org/drawingml/2006/main" xmlns:r="http://schemas.openxmlformats.org/officeDocument/2006/relationships" xmlns:p="http://schemas.openxmlformats.org/presentationml/2006/main" type="objTx" preserve="1">
-  <p:cSld name="Content with Caption">
+  <p:cSld name="Объект с подписью">
     <p:spTree>
       <p:nvGrpSpPr>
         <p:cNvPr id="1" name=""/>
@@ -1909,21 +1932,21 @@
         </p:nvSpPr>
         <p:spPr>
           <a:xfrm>
-            <a:off x="751326" y="518372"/>
-            <a:ext cx="3518021" cy="1814301"/>
+            <a:off x="669534" y="457200"/>
+            <a:ext cx="3135038" cy="1600200"/>
           </a:xfrm>
         </p:spPr>
         <p:txBody>
           <a:bodyPr anchor="b"/>
           <a:lstStyle>
             <a:lvl1pPr>
-              <a:defRPr sz="3628"/>
+              <a:defRPr sz="3200"/>
             </a:lvl1pPr>
           </a:lstStyle>
           <a:p>
             <a:r>
-              <a:rPr lang="en-US"/>
-              <a:t>Click to edit Master title style</a:t>
+              <a:rPr lang="ru-RU"/>
+              <a:t>Образец заголовка</a:t>
             </a:r>
             <a:endParaRPr lang="en-US" dirty="0"/>
           </a:p>
@@ -1941,74 +1964,74 @@
         </p:nvSpPr>
         <p:spPr>
           <a:xfrm>
-            <a:off x="4637199" y="1119540"/>
-            <a:ext cx="5522030" cy="5525698"/>
+            <a:off x="4132378" y="987427"/>
+            <a:ext cx="4920883" cy="4873625"/>
           </a:xfrm>
         </p:spPr>
         <p:txBody>
           <a:bodyPr/>
           <a:lstStyle>
             <a:lvl1pPr>
-              <a:defRPr sz="3628"/>
+              <a:defRPr sz="3200"/>
             </a:lvl1pPr>
             <a:lvl2pPr>
-              <a:defRPr sz="3175"/>
+              <a:defRPr sz="2800"/>
             </a:lvl2pPr>
             <a:lvl3pPr>
-              <a:defRPr sz="2721"/>
+              <a:defRPr sz="2400"/>
             </a:lvl3pPr>
             <a:lvl4pPr>
-              <a:defRPr sz="2268"/>
+              <a:defRPr sz="2000"/>
             </a:lvl4pPr>
             <a:lvl5pPr>
-              <a:defRPr sz="2268"/>
+              <a:defRPr sz="2000"/>
             </a:lvl5pPr>
             <a:lvl6pPr>
-              <a:defRPr sz="2268"/>
+              <a:defRPr sz="2000"/>
             </a:lvl6pPr>
             <a:lvl7pPr>
-              <a:defRPr sz="2268"/>
+              <a:defRPr sz="2000"/>
             </a:lvl7pPr>
             <a:lvl8pPr>
-              <a:defRPr sz="2268"/>
+              <a:defRPr sz="2000"/>
             </a:lvl8pPr>
             <a:lvl9pPr>
-              <a:defRPr sz="2268"/>
+              <a:defRPr sz="2000"/>
             </a:lvl9pPr>
           </a:lstStyle>
           <a:p>
             <a:pPr lvl="0"/>
             <a:r>
-              <a:rPr lang="en-US"/>
-              <a:t>Click to edit Master text styles</a:t>
+              <a:rPr lang="ru-RU"/>
+              <a:t>Образец текста</a:t>
             </a:r>
           </a:p>
           <a:p>
             <a:pPr lvl="1"/>
             <a:r>
-              <a:rPr lang="en-US"/>
-              <a:t>Second level</a:t>
+              <a:rPr lang="ru-RU"/>
+              <a:t>Второй уровень</a:t>
             </a:r>
           </a:p>
           <a:p>
             <a:pPr lvl="2"/>
             <a:r>
-              <a:rPr lang="en-US"/>
-              <a:t>Third level</a:t>
+              <a:rPr lang="ru-RU"/>
+              <a:t>Третий уровень</a:t>
             </a:r>
           </a:p>
           <a:p>
             <a:pPr lvl="3"/>
             <a:r>
-              <a:rPr lang="en-US"/>
-              <a:t>Fourth level</a:t>
+              <a:rPr lang="ru-RU"/>
+              <a:t>Четвертый уровень</a:t>
             </a:r>
           </a:p>
           <a:p>
             <a:pPr lvl="4"/>
             <a:r>
-              <a:rPr lang="en-US"/>
-              <a:t>Fifth level</a:t>
+              <a:rPr lang="ru-RU"/>
+              <a:t>Пятый уровень</a:t>
             </a:r>
             <a:endParaRPr lang="en-US" dirty="0"/>
           </a:p>
@@ -2026,8 +2049,8 @@
         </p:nvSpPr>
         <p:spPr>
           <a:xfrm>
-            <a:off x="751326" y="2332673"/>
-            <a:ext cx="3518021" cy="4321564"/>
+            <a:off x="669534" y="2057400"/>
+            <a:ext cx="3135038" cy="3811588"/>
           </a:xfrm>
         </p:spPr>
         <p:txBody>
@@ -2035,46 +2058,46 @@
           <a:lstStyle>
             <a:lvl1pPr marL="0" indent="0">
               <a:buNone/>
-              <a:defRPr sz="1814"/>
+              <a:defRPr sz="1600"/>
             </a:lvl1pPr>
-            <a:lvl2pPr marL="518373" indent="0">
-              <a:buNone/>
-              <a:defRPr sz="1587"/>
+            <a:lvl2pPr marL="457200" indent="0">
+              <a:buNone/>
+              <a:defRPr sz="1400"/>
             </a:lvl2pPr>
-            <a:lvl3pPr marL="1036747" indent="0">
-              <a:buNone/>
-              <a:defRPr sz="1361"/>
+            <a:lvl3pPr marL="914400" indent="0">
+              <a:buNone/>
+              <a:defRPr sz="1200"/>
             </a:lvl3pPr>
-            <a:lvl4pPr marL="1555120" indent="0">
-              <a:buNone/>
-              <a:defRPr sz="1134"/>
+            <a:lvl4pPr marL="1371600" indent="0">
+              <a:buNone/>
+              <a:defRPr sz="1000"/>
             </a:lvl4pPr>
-            <a:lvl5pPr marL="2073493" indent="0">
-              <a:buNone/>
-              <a:defRPr sz="1134"/>
+            <a:lvl5pPr marL="1828800" indent="0">
+              <a:buNone/>
+              <a:defRPr sz="1000"/>
             </a:lvl5pPr>
-            <a:lvl6pPr marL="2591867" indent="0">
-              <a:buNone/>
-              <a:defRPr sz="1134"/>
+            <a:lvl6pPr marL="2286000" indent="0">
+              <a:buNone/>
+              <a:defRPr sz="1000"/>
             </a:lvl6pPr>
-            <a:lvl7pPr marL="3110240" indent="0">
-              <a:buNone/>
-              <a:defRPr sz="1134"/>
+            <a:lvl7pPr marL="2743200" indent="0">
+              <a:buNone/>
+              <a:defRPr sz="1000"/>
             </a:lvl7pPr>
-            <a:lvl8pPr marL="3628614" indent="0">
-              <a:buNone/>
-              <a:defRPr sz="1134"/>
+            <a:lvl8pPr marL="3200400" indent="0">
+              <a:buNone/>
+              <a:defRPr sz="1000"/>
             </a:lvl8pPr>
-            <a:lvl9pPr marL="4146987" indent="0">
-              <a:buNone/>
-              <a:defRPr sz="1134"/>
+            <a:lvl9pPr marL="3657600" indent="0">
+              <a:buNone/>
+              <a:defRPr sz="1000"/>
             </a:lvl9pPr>
           </a:lstStyle>
           <a:p>
             <a:pPr lvl="0"/>
             <a:r>
-              <a:rPr lang="en-US"/>
-              <a:t>Click to edit Master text styles</a:t>
+              <a:rPr lang="ru-RU"/>
+              <a:t>Образец текста</a:t>
             </a:r>
           </a:p>
         </p:txBody>
@@ -2094,11 +2117,11 @@
           <a:bodyPr/>
           <a:lstStyle/>
           <a:p>
-            <a:fld id="{B418B788-A548-4410-AAA5-3B84E06E31E2}" type="datetimeFigureOut">
-              <a:rPr lang="en-US" smtClean="0"/>
-              <a:t>9/21/2021</a:t>
+            <a:fld id="{1E257FCD-A35D-4333-91E0-6F5D2CEE6E9D}" type="datetimeFigureOut">
+              <a:rPr lang="ru-RU" smtClean="0"/>
+              <a:t>24.09.2021</a:t>
             </a:fld>
-            <a:endParaRPr lang="en-US"/>
+            <a:endParaRPr lang="ru-RU"/>
           </a:p>
         </p:txBody>
       </p:sp>
@@ -2117,7 +2140,7 @@
           <a:bodyPr/>
           <a:lstStyle/>
           <a:p>
-            <a:endParaRPr lang="en-US"/>
+            <a:endParaRPr lang="ru-RU"/>
           </a:p>
         </p:txBody>
       </p:sp>
@@ -2136,18 +2159,18 @@
           <a:bodyPr/>
           <a:lstStyle/>
           <a:p>
-            <a:fld id="{F35B7B63-6E0E-4A0F-B00E-4D612D97BCCB}" type="slidenum">
-              <a:rPr lang="en-US" smtClean="0"/>
+            <a:fld id="{CD3F01F9-367C-49FA-A203-14AC9F137298}" type="slidenum">
+              <a:rPr lang="ru-RU" smtClean="0"/>
               <a:t>‹#›</a:t>
             </a:fld>
-            <a:endParaRPr lang="en-US"/>
+            <a:endParaRPr lang="ru-RU"/>
           </a:p>
         </p:txBody>
       </p:sp>
     </p:spTree>
     <p:extLst>
       <p:ext uri="{BB962C8B-B14F-4D97-AF65-F5344CB8AC3E}">
-        <p14:creationId xmlns:p14="http://schemas.microsoft.com/office/powerpoint/2010/main" val="3507219008"/>
+        <p14:creationId xmlns:p14="http://schemas.microsoft.com/office/powerpoint/2010/main" val="209750584"/>
       </p:ext>
     </p:extLst>
   </p:cSld>
@@ -2159,7 +2182,7 @@
 
 <file path=ppt/slideLayouts/slideLayout9.xml><?xml version="1.0" encoding="utf-8"?>
 <p:sldLayout xmlns:a="http://schemas.openxmlformats.org/drawingml/2006/main" xmlns:r="http://schemas.openxmlformats.org/officeDocument/2006/relationships" xmlns:p="http://schemas.openxmlformats.org/presentationml/2006/main" type="picTx" preserve="1">
-  <p:cSld name="Picture with Caption">
+  <p:cSld name="Рисунок с подписью">
     <p:spTree>
       <p:nvGrpSpPr>
         <p:cNvPr id="1" name=""/>
@@ -2186,21 +2209,21 @@
         </p:nvSpPr>
         <p:spPr>
           <a:xfrm>
-            <a:off x="751326" y="518372"/>
-            <a:ext cx="3518021" cy="1814301"/>
+            <a:off x="669534" y="457200"/>
+            <a:ext cx="3135038" cy="1600200"/>
           </a:xfrm>
         </p:spPr>
         <p:txBody>
           <a:bodyPr anchor="b"/>
           <a:lstStyle>
             <a:lvl1pPr>
-              <a:defRPr sz="3628"/>
+              <a:defRPr sz="3200"/>
             </a:lvl1pPr>
           </a:lstStyle>
           <a:p>
             <a:r>
-              <a:rPr lang="en-US"/>
-              <a:t>Click to edit Master title style</a:t>
+              <a:rPr lang="ru-RU"/>
+              <a:t>Образец заголовка</a:t>
             </a:r>
             <a:endParaRPr lang="en-US" dirty="0"/>
           </a:p>
@@ -2218,8 +2241,8 @@
         </p:nvSpPr>
         <p:spPr>
           <a:xfrm>
-            <a:off x="4637199" y="1119540"/>
-            <a:ext cx="5522030" cy="5525698"/>
+            <a:off x="4132378" y="987427"/>
+            <a:ext cx="4920883" cy="4873625"/>
           </a:xfrm>
         </p:spPr>
         <p:txBody>
@@ -2227,45 +2250,45 @@
           <a:lstStyle>
             <a:lvl1pPr marL="0" indent="0">
               <a:buNone/>
-              <a:defRPr sz="3628"/>
+              <a:defRPr sz="3200"/>
             </a:lvl1pPr>
-            <a:lvl2pPr marL="518373" indent="0">
-              <a:buNone/>
-              <a:defRPr sz="3175"/>
+            <a:lvl2pPr marL="457200" indent="0">
+              <a:buNone/>
+              <a:defRPr sz="2800"/>
             </a:lvl2pPr>
-            <a:lvl3pPr marL="1036747" indent="0">
-              <a:buNone/>
-              <a:defRPr sz="2721"/>
+            <a:lvl3pPr marL="914400" indent="0">
+              <a:buNone/>
+              <a:defRPr sz="2400"/>
             </a:lvl3pPr>
-            <a:lvl4pPr marL="1555120" indent="0">
-              <a:buNone/>
-              <a:defRPr sz="2268"/>
+            <a:lvl4pPr marL="1371600" indent="0">
+              <a:buNone/>
+              <a:defRPr sz="2000"/>
             </a:lvl4pPr>
-            <a:lvl5pPr marL="2073493" indent="0">
-              <a:buNone/>
-              <a:defRPr sz="2268"/>
+            <a:lvl5pPr marL="1828800" indent="0">
+              <a:buNone/>
+              <a:defRPr sz="2000"/>
             </a:lvl5pPr>
-            <a:lvl6pPr marL="2591867" indent="0">
-              <a:buNone/>
-              <a:defRPr sz="2268"/>
+            <a:lvl6pPr marL="2286000" indent="0">
+              <a:buNone/>
+              <a:defRPr sz="2000"/>
             </a:lvl6pPr>
-            <a:lvl7pPr marL="3110240" indent="0">
-              <a:buNone/>
-              <a:defRPr sz="2268"/>
+            <a:lvl7pPr marL="2743200" indent="0">
+              <a:buNone/>
+              <a:defRPr sz="2000"/>
             </a:lvl7pPr>
-            <a:lvl8pPr marL="3628614" indent="0">
-              <a:buNone/>
-              <a:defRPr sz="2268"/>
+            <a:lvl8pPr marL="3200400" indent="0">
+              <a:buNone/>
+              <a:defRPr sz="2000"/>
             </a:lvl8pPr>
-            <a:lvl9pPr marL="4146987" indent="0">
-              <a:buNone/>
-              <a:defRPr sz="2268"/>
+            <a:lvl9pPr marL="3657600" indent="0">
+              <a:buNone/>
+              <a:defRPr sz="2000"/>
             </a:lvl9pPr>
           </a:lstStyle>
           <a:p>
             <a:r>
-              <a:rPr lang="en-US"/>
-              <a:t>Click icon to add picture</a:t>
+              <a:rPr lang="ru-RU"/>
+              <a:t>Вставка рисунка</a:t>
             </a:r>
             <a:endParaRPr lang="en-US" dirty="0"/>
           </a:p>
@@ -2283,8 +2306,8 @@
         </p:nvSpPr>
         <p:spPr>
           <a:xfrm>
-            <a:off x="751326" y="2332673"/>
-            <a:ext cx="3518021" cy="4321564"/>
+            <a:off x="669534" y="2057400"/>
+            <a:ext cx="3135038" cy="3811588"/>
           </a:xfrm>
         </p:spPr>
         <p:txBody>
@@ -2292,46 +2315,46 @@
           <a:lstStyle>
             <a:lvl1pPr marL="0" indent="0">
               <a:buNone/>
-              <a:defRPr sz="1814"/>
+              <a:defRPr sz="1600"/>
             </a:lvl1pPr>
-            <a:lvl2pPr marL="518373" indent="0">
-              <a:buNone/>
-              <a:defRPr sz="1587"/>
+            <a:lvl2pPr marL="457200" indent="0">
+              <a:buNone/>
+              <a:defRPr sz="1400"/>
             </a:lvl2pPr>
-            <a:lvl3pPr marL="1036747" indent="0">
-              <a:buNone/>
-              <a:defRPr sz="1361"/>
+            <a:lvl3pPr marL="914400" indent="0">
+              <a:buNone/>
+              <a:defRPr sz="1200"/>
             </a:lvl3pPr>
-            <a:lvl4pPr marL="1555120" indent="0">
-              <a:buNone/>
-              <a:defRPr sz="1134"/>
+            <a:lvl4pPr marL="1371600" indent="0">
+              <a:buNone/>
+              <a:defRPr sz="1000"/>
             </a:lvl4pPr>
-            <a:lvl5pPr marL="2073493" indent="0">
-              <a:buNone/>
-              <a:defRPr sz="1134"/>
+            <a:lvl5pPr marL="1828800" indent="0">
+              <a:buNone/>
+              <a:defRPr sz="1000"/>
             </a:lvl5pPr>
-            <a:lvl6pPr marL="2591867" indent="0">
-              <a:buNone/>
-              <a:defRPr sz="1134"/>
+            <a:lvl6pPr marL="2286000" indent="0">
+              <a:buNone/>
+              <a:defRPr sz="1000"/>
             </a:lvl6pPr>
-            <a:lvl7pPr marL="3110240" indent="0">
-              <a:buNone/>
-              <a:defRPr sz="1134"/>
+            <a:lvl7pPr marL="2743200" indent="0">
+              <a:buNone/>
+              <a:defRPr sz="1000"/>
             </a:lvl7pPr>
-            <a:lvl8pPr marL="3628614" indent="0">
-              <a:buNone/>
-              <a:defRPr sz="1134"/>
+            <a:lvl8pPr marL="3200400" indent="0">
+              <a:buNone/>
+              <a:defRPr sz="1000"/>
             </a:lvl8pPr>
-            <a:lvl9pPr marL="4146987" indent="0">
-              <a:buNone/>
-              <a:defRPr sz="1134"/>
+            <a:lvl9pPr marL="3657600" indent="0">
+              <a:buNone/>
+              <a:defRPr sz="1000"/>
             </a:lvl9pPr>
           </a:lstStyle>
           <a:p>
             <a:pPr lvl="0"/>
             <a:r>
-              <a:rPr lang="en-US"/>
-              <a:t>Click to edit Master text styles</a:t>
+              <a:rPr lang="ru-RU"/>
+              <a:t>Образец текста</a:t>
             </a:r>
           </a:p>
         </p:txBody>
@@ -2351,11 +2374,11 @@
           <a:bodyPr/>
           <a:lstStyle/>
           <a:p>
-            <a:fld id="{B418B788-A548-4410-AAA5-3B84E06E31E2}" type="datetimeFigureOut">
-              <a:rPr lang="en-US" smtClean="0"/>
-              <a:t>9/21/2021</a:t>
+            <a:fld id="{1E257FCD-A35D-4333-91E0-6F5D2CEE6E9D}" type="datetimeFigureOut">
+              <a:rPr lang="ru-RU" smtClean="0"/>
+              <a:t>24.09.2021</a:t>
             </a:fld>
-            <a:endParaRPr lang="en-US"/>
+            <a:endParaRPr lang="ru-RU"/>
           </a:p>
         </p:txBody>
       </p:sp>
@@ -2374,7 +2397,7 @@
           <a:bodyPr/>
           <a:lstStyle/>
           <a:p>
-            <a:endParaRPr lang="en-US"/>
+            <a:endParaRPr lang="ru-RU"/>
           </a:p>
         </p:txBody>
       </p:sp>
@@ -2393,18 +2416,18 @@
           <a:bodyPr/>
           <a:lstStyle/>
           <a:p>
-            <a:fld id="{F35B7B63-6E0E-4A0F-B00E-4D612D97BCCB}" type="slidenum">
-              <a:rPr lang="en-US" smtClean="0"/>
+            <a:fld id="{CD3F01F9-367C-49FA-A203-14AC9F137298}" type="slidenum">
+              <a:rPr lang="ru-RU" smtClean="0"/>
               <a:t>‹#›</a:t>
             </a:fld>
-            <a:endParaRPr lang="en-US"/>
+            <a:endParaRPr lang="ru-RU"/>
           </a:p>
         </p:txBody>
       </p:sp>
     </p:spTree>
     <p:extLst>
       <p:ext uri="{BB962C8B-B14F-4D97-AF65-F5344CB8AC3E}">
-        <p14:creationId xmlns:p14="http://schemas.microsoft.com/office/powerpoint/2010/main" val="1368432575"/>
+        <p14:creationId xmlns:p14="http://schemas.microsoft.com/office/powerpoint/2010/main" val="141761410"/>
       </p:ext>
     </p:extLst>
   </p:cSld>
@@ -2448,8 +2471,8 @@
         </p:nvSpPr>
         <p:spPr>
           <a:xfrm>
-            <a:off x="749906" y="413979"/>
-            <a:ext cx="9407902" cy="1502918"/>
+            <a:off x="668268" y="365127"/>
+            <a:ext cx="8383727" cy="1325563"/>
           </a:xfrm>
           <a:prstGeom prst="rect">
             <a:avLst/>
@@ -2462,8 +2485,8 @@
           <a:lstStyle/>
           <a:p>
             <a:r>
-              <a:rPr lang="en-US"/>
-              <a:t>Click to edit Master title style</a:t>
+              <a:rPr lang="ru-RU"/>
+              <a:t>Образец заголовка</a:t>
             </a:r>
             <a:endParaRPr lang="en-US" dirty="0"/>
           </a:p>
@@ -2481,8 +2504,8 @@
         </p:nvSpPr>
         <p:spPr>
           <a:xfrm>
-            <a:off x="749906" y="2069887"/>
-            <a:ext cx="9407902" cy="4933531"/>
+            <a:off x="668268" y="1825625"/>
+            <a:ext cx="8383727" cy="4351338"/>
           </a:xfrm>
           <a:prstGeom prst="rect">
             <a:avLst/>
@@ -2496,36 +2519,36 @@
           <a:p>
             <a:pPr lvl="0"/>
             <a:r>
-              <a:rPr lang="en-US"/>
-              <a:t>Click to edit Master text styles</a:t>
+              <a:rPr lang="ru-RU"/>
+              <a:t>Образец текста</a:t>
             </a:r>
           </a:p>
           <a:p>
             <a:pPr lvl="1"/>
             <a:r>
-              <a:rPr lang="en-US"/>
-              <a:t>Second level</a:t>
+              <a:rPr lang="ru-RU"/>
+              <a:t>Второй уровень</a:t>
             </a:r>
           </a:p>
           <a:p>
             <a:pPr lvl="2"/>
             <a:r>
-              <a:rPr lang="en-US"/>
-              <a:t>Third level</a:t>
+              <a:rPr lang="ru-RU"/>
+              <a:t>Третий уровень</a:t>
             </a:r>
           </a:p>
           <a:p>
             <a:pPr lvl="3"/>
             <a:r>
-              <a:rPr lang="en-US"/>
-              <a:t>Fourth level</a:t>
+              <a:rPr lang="ru-RU"/>
+              <a:t>Четвертый уровень</a:t>
             </a:r>
           </a:p>
           <a:p>
             <a:pPr lvl="4"/>
             <a:r>
-              <a:rPr lang="en-US"/>
-              <a:t>Fifth level</a:t>
+              <a:rPr lang="ru-RU"/>
+              <a:t>Пятый уровень</a:t>
             </a:r>
             <a:endParaRPr lang="en-US" dirty="0"/>
           </a:p>
@@ -2543,8 +2566,8 @@
         </p:nvSpPr>
         <p:spPr>
           <a:xfrm>
-            <a:off x="749905" y="7206808"/>
-            <a:ext cx="2454235" cy="413977"/>
+            <a:off x="668268" y="6356352"/>
+            <a:ext cx="2187059" cy="365125"/>
           </a:xfrm>
           <a:prstGeom prst="rect">
             <a:avLst/>
@@ -2554,7 +2577,7 @@
           <a:bodyPr vert="horz" lIns="91440" tIns="45720" rIns="91440" bIns="45720" rtlCol="0" anchor="ctr"/>
           <a:lstStyle>
             <a:lvl1pPr algn="l">
-              <a:defRPr sz="1361">
+              <a:defRPr sz="1200">
                 <a:solidFill>
                   <a:schemeClr val="tx1">
                     <a:tint val="75000"/>
@@ -2564,11 +2587,11 @@
             </a:lvl1pPr>
           </a:lstStyle>
           <a:p>
-            <a:fld id="{B418B788-A548-4410-AAA5-3B84E06E31E2}" type="datetimeFigureOut">
-              <a:rPr lang="en-US" smtClean="0"/>
-              <a:t>9/21/2021</a:t>
+            <a:fld id="{1E257FCD-A35D-4333-91E0-6F5D2CEE6E9D}" type="datetimeFigureOut">
+              <a:rPr lang="ru-RU" smtClean="0"/>
+              <a:t>24.09.2021</a:t>
             </a:fld>
-            <a:endParaRPr lang="en-US"/>
+            <a:endParaRPr lang="ru-RU"/>
           </a:p>
         </p:txBody>
       </p:sp>
@@ -2584,8 +2607,8 @@
         </p:nvSpPr>
         <p:spPr>
           <a:xfrm>
-            <a:off x="3613180" y="7206808"/>
-            <a:ext cx="3681353" cy="413977"/>
+            <a:off x="3219837" y="6356352"/>
+            <a:ext cx="3280589" cy="365125"/>
           </a:xfrm>
           <a:prstGeom prst="rect">
             <a:avLst/>
@@ -2595,7 +2618,7 @@
           <a:bodyPr vert="horz" lIns="91440" tIns="45720" rIns="91440" bIns="45720" rtlCol="0" anchor="ctr"/>
           <a:lstStyle>
             <a:lvl1pPr algn="ctr">
-              <a:defRPr sz="1361">
+              <a:defRPr sz="1200">
                 <a:solidFill>
                   <a:schemeClr val="tx1">
                     <a:tint val="75000"/>
@@ -2605,7 +2628,7 @@
             </a:lvl1pPr>
           </a:lstStyle>
           <a:p>
-            <a:endParaRPr lang="en-US"/>
+            <a:endParaRPr lang="ru-RU"/>
           </a:p>
         </p:txBody>
       </p:sp>
@@ -2621,8 +2644,8 @@
         </p:nvSpPr>
         <p:spPr>
           <a:xfrm>
-            <a:off x="7703573" y="7206808"/>
-            <a:ext cx="2454235" cy="413977"/>
+            <a:off x="6864936" y="6356352"/>
+            <a:ext cx="2187059" cy="365125"/>
           </a:xfrm>
           <a:prstGeom prst="rect">
             <a:avLst/>
@@ -2632,7 +2655,7 @@
           <a:bodyPr vert="horz" lIns="91440" tIns="45720" rIns="91440" bIns="45720" rtlCol="0" anchor="ctr"/>
           <a:lstStyle>
             <a:lvl1pPr algn="r">
-              <a:defRPr sz="1361">
+              <a:defRPr sz="1200">
                 <a:solidFill>
                   <a:schemeClr val="tx1">
                     <a:tint val="75000"/>
@@ -2642,38 +2665,38 @@
             </a:lvl1pPr>
           </a:lstStyle>
           <a:p>
-            <a:fld id="{F35B7B63-6E0E-4A0F-B00E-4D612D97BCCB}" type="slidenum">
-              <a:rPr lang="en-US" smtClean="0"/>
+            <a:fld id="{CD3F01F9-367C-49FA-A203-14AC9F137298}" type="slidenum">
+              <a:rPr lang="ru-RU" smtClean="0"/>
               <a:t>‹#›</a:t>
             </a:fld>
-            <a:endParaRPr lang="en-US"/>
+            <a:endParaRPr lang="ru-RU"/>
           </a:p>
         </p:txBody>
       </p:sp>
     </p:spTree>
     <p:extLst>
       <p:ext uri="{BB962C8B-B14F-4D97-AF65-F5344CB8AC3E}">
-        <p14:creationId xmlns:p14="http://schemas.microsoft.com/office/powerpoint/2010/main" val="2113304242"/>
+        <p14:creationId xmlns:p14="http://schemas.microsoft.com/office/powerpoint/2010/main" val="2211997912"/>
       </p:ext>
     </p:extLst>
   </p:cSld>
   <p:clrMap bg1="lt1" tx1="dk1" bg2="lt2" tx2="dk2" accent1="accent1" accent2="accent2" accent3="accent3" accent4="accent4" accent5="accent5" accent6="accent6" hlink="hlink" folHlink="folHlink"/>
   <p:sldLayoutIdLst>
-    <p:sldLayoutId id="2147483685" r:id="rId1"/>
-    <p:sldLayoutId id="2147483686" r:id="rId2"/>
-    <p:sldLayoutId id="2147483687" r:id="rId3"/>
-    <p:sldLayoutId id="2147483688" r:id="rId4"/>
-    <p:sldLayoutId id="2147483689" r:id="rId5"/>
-    <p:sldLayoutId id="2147483690" r:id="rId6"/>
-    <p:sldLayoutId id="2147483691" r:id="rId7"/>
-    <p:sldLayoutId id="2147483692" r:id="rId8"/>
-    <p:sldLayoutId id="2147483693" r:id="rId9"/>
-    <p:sldLayoutId id="2147483694" r:id="rId10"/>
-    <p:sldLayoutId id="2147483695" r:id="rId11"/>
+    <p:sldLayoutId id="2147483661" r:id="rId1"/>
+    <p:sldLayoutId id="2147483662" r:id="rId2"/>
+    <p:sldLayoutId id="2147483663" r:id="rId3"/>
+    <p:sldLayoutId id="2147483664" r:id="rId4"/>
+    <p:sldLayoutId id="2147483665" r:id="rId5"/>
+    <p:sldLayoutId id="2147483666" r:id="rId6"/>
+    <p:sldLayoutId id="2147483667" r:id="rId7"/>
+    <p:sldLayoutId id="2147483668" r:id="rId8"/>
+    <p:sldLayoutId id="2147483669" r:id="rId9"/>
+    <p:sldLayoutId id="2147483670" r:id="rId10"/>
+    <p:sldLayoutId id="2147483671" r:id="rId11"/>
   </p:sldLayoutIdLst>
   <p:txStyles>
     <p:titleStyle>
-      <a:lvl1pPr algn="l" defTabSz="1036747" rtl="0" eaLnBrk="1" latinLnBrk="0" hangingPunct="1">
+      <a:lvl1pPr algn="l" defTabSz="914400" rtl="0" eaLnBrk="1" latinLnBrk="0" hangingPunct="1">
         <a:lnSpc>
           <a:spcPct val="90000"/>
         </a:lnSpc>
@@ -2681,7 +2704,7 @@
           <a:spcPct val="0"/>
         </a:spcBef>
         <a:buNone/>
-        <a:defRPr sz="4989" kern="1200">
+        <a:defRPr sz="4400" kern="1200">
           <a:solidFill>
             <a:schemeClr val="tx1"/>
           </a:solidFill>
@@ -2692,16 +2715,16 @@
       </a:lvl1pPr>
     </p:titleStyle>
     <p:bodyStyle>
-      <a:lvl1pPr marL="259187" indent="-259187" algn="l" defTabSz="1036747" rtl="0" eaLnBrk="1" latinLnBrk="0" hangingPunct="1">
+      <a:lvl1pPr marL="228600" indent="-228600" algn="l" defTabSz="914400" rtl="0" eaLnBrk="1" latinLnBrk="0" hangingPunct="1">
         <a:lnSpc>
           <a:spcPct val="90000"/>
         </a:lnSpc>
         <a:spcBef>
-          <a:spcPts val="1134"/>
+          <a:spcPts val="1000"/>
         </a:spcBef>
         <a:buFont typeface="Arial" panose="020B0604020202020204" pitchFamily="34" charset="0"/>
         <a:buChar char="•"/>
-        <a:defRPr sz="3175" kern="1200">
+        <a:defRPr sz="2800" kern="1200">
           <a:solidFill>
             <a:schemeClr val="tx1"/>
           </a:solidFill>
@@ -2710,16 +2733,16 @@
           <a:cs typeface="+mn-cs"/>
         </a:defRPr>
       </a:lvl1pPr>
-      <a:lvl2pPr marL="777560" indent="-259187" algn="l" defTabSz="1036747" rtl="0" eaLnBrk="1" latinLnBrk="0" hangingPunct="1">
+      <a:lvl2pPr marL="685800" indent="-228600" algn="l" defTabSz="914400" rtl="0" eaLnBrk="1" latinLnBrk="0" hangingPunct="1">
         <a:lnSpc>
           <a:spcPct val="90000"/>
         </a:lnSpc>
         <a:spcBef>
-          <a:spcPts val="567"/>
+          <a:spcPts val="500"/>
         </a:spcBef>
         <a:buFont typeface="Arial" panose="020B0604020202020204" pitchFamily="34" charset="0"/>
         <a:buChar char="•"/>
-        <a:defRPr sz="2721" kern="1200">
+        <a:defRPr sz="2400" kern="1200">
           <a:solidFill>
             <a:schemeClr val="tx1"/>
           </a:solidFill>
@@ -2728,16 +2751,16 @@
           <a:cs typeface="+mn-cs"/>
         </a:defRPr>
       </a:lvl2pPr>
-      <a:lvl3pPr marL="1295933" indent="-259187" algn="l" defTabSz="1036747" rtl="0" eaLnBrk="1" latinLnBrk="0" hangingPunct="1">
+      <a:lvl3pPr marL="1143000" indent="-228600" algn="l" defTabSz="914400" rtl="0" eaLnBrk="1" latinLnBrk="0" hangingPunct="1">
         <a:lnSpc>
           <a:spcPct val="90000"/>
         </a:lnSpc>
         <a:spcBef>
-          <a:spcPts val="567"/>
+          <a:spcPts val="500"/>
         </a:spcBef>
         <a:buFont typeface="Arial" panose="020B0604020202020204" pitchFamily="34" charset="0"/>
         <a:buChar char="•"/>
-        <a:defRPr sz="2268" kern="1200">
+        <a:defRPr sz="2000" kern="1200">
           <a:solidFill>
             <a:schemeClr val="tx1"/>
           </a:solidFill>
@@ -2746,16 +2769,16 @@
           <a:cs typeface="+mn-cs"/>
         </a:defRPr>
       </a:lvl3pPr>
-      <a:lvl4pPr marL="1814307" indent="-259187" algn="l" defTabSz="1036747" rtl="0" eaLnBrk="1" latinLnBrk="0" hangingPunct="1">
+      <a:lvl4pPr marL="1600200" indent="-228600" algn="l" defTabSz="914400" rtl="0" eaLnBrk="1" latinLnBrk="0" hangingPunct="1">
         <a:lnSpc>
           <a:spcPct val="90000"/>
         </a:lnSpc>
         <a:spcBef>
-          <a:spcPts val="567"/>
+          <a:spcPts val="500"/>
         </a:spcBef>
         <a:buFont typeface="Arial" panose="020B0604020202020204" pitchFamily="34" charset="0"/>
         <a:buChar char="•"/>
-        <a:defRPr sz="2041" kern="1200">
+        <a:defRPr sz="1800" kern="1200">
           <a:solidFill>
             <a:schemeClr val="tx1"/>
           </a:solidFill>
@@ -2764,16 +2787,16 @@
           <a:cs typeface="+mn-cs"/>
         </a:defRPr>
       </a:lvl4pPr>
-      <a:lvl5pPr marL="2332680" indent="-259187" algn="l" defTabSz="1036747" rtl="0" eaLnBrk="1" latinLnBrk="0" hangingPunct="1">
+      <a:lvl5pPr marL="2057400" indent="-228600" algn="l" defTabSz="914400" rtl="0" eaLnBrk="1" latinLnBrk="0" hangingPunct="1">
         <a:lnSpc>
           <a:spcPct val="90000"/>
         </a:lnSpc>
         <a:spcBef>
-          <a:spcPts val="567"/>
+          <a:spcPts val="500"/>
         </a:spcBef>
         <a:buFont typeface="Arial" panose="020B0604020202020204" pitchFamily="34" charset="0"/>
         <a:buChar char="•"/>
-        <a:defRPr sz="2041" kern="1200">
+        <a:defRPr sz="1800" kern="1200">
           <a:solidFill>
             <a:schemeClr val="tx1"/>
           </a:solidFill>
@@ -2782,16 +2805,16 @@
           <a:cs typeface="+mn-cs"/>
         </a:defRPr>
       </a:lvl5pPr>
-      <a:lvl6pPr marL="2851053" indent="-259187" algn="l" defTabSz="1036747" rtl="0" eaLnBrk="1" latinLnBrk="0" hangingPunct="1">
+      <a:lvl6pPr marL="2514600" indent="-228600" algn="l" defTabSz="914400" rtl="0" eaLnBrk="1" latinLnBrk="0" hangingPunct="1">
         <a:lnSpc>
           <a:spcPct val="90000"/>
         </a:lnSpc>
         <a:spcBef>
-          <a:spcPts val="567"/>
+          <a:spcPts val="500"/>
         </a:spcBef>
         <a:buFont typeface="Arial" panose="020B0604020202020204" pitchFamily="34" charset="0"/>
         <a:buChar char="•"/>
-        <a:defRPr sz="2041" kern="1200">
+        <a:defRPr sz="1800" kern="1200">
           <a:solidFill>
             <a:schemeClr val="tx1"/>
           </a:solidFill>
@@ -2800,16 +2823,16 @@
           <a:cs typeface="+mn-cs"/>
         </a:defRPr>
       </a:lvl6pPr>
-      <a:lvl7pPr marL="3369427" indent="-259187" algn="l" defTabSz="1036747" rtl="0" eaLnBrk="1" latinLnBrk="0" hangingPunct="1">
+      <a:lvl7pPr marL="2971800" indent="-228600" algn="l" defTabSz="914400" rtl="0" eaLnBrk="1" latinLnBrk="0" hangingPunct="1">
         <a:lnSpc>
           <a:spcPct val="90000"/>
         </a:lnSpc>
         <a:spcBef>
-          <a:spcPts val="567"/>
+          <a:spcPts val="500"/>
         </a:spcBef>
         <a:buFont typeface="Arial" panose="020B0604020202020204" pitchFamily="34" charset="0"/>
         <a:buChar char="•"/>
-        <a:defRPr sz="2041" kern="1200">
+        <a:defRPr sz="1800" kern="1200">
           <a:solidFill>
             <a:schemeClr val="tx1"/>
           </a:solidFill>
@@ -2818,16 +2841,16 @@
           <a:cs typeface="+mn-cs"/>
         </a:defRPr>
       </a:lvl7pPr>
-      <a:lvl8pPr marL="3887800" indent="-259187" algn="l" defTabSz="1036747" rtl="0" eaLnBrk="1" latinLnBrk="0" hangingPunct="1">
+      <a:lvl8pPr marL="3429000" indent="-228600" algn="l" defTabSz="914400" rtl="0" eaLnBrk="1" latinLnBrk="0" hangingPunct="1">
         <a:lnSpc>
           <a:spcPct val="90000"/>
         </a:lnSpc>
         <a:spcBef>
-          <a:spcPts val="567"/>
+          <a:spcPts val="500"/>
         </a:spcBef>
         <a:buFont typeface="Arial" panose="020B0604020202020204" pitchFamily="34" charset="0"/>
         <a:buChar char="•"/>
-        <a:defRPr sz="2041" kern="1200">
+        <a:defRPr sz="1800" kern="1200">
           <a:solidFill>
             <a:schemeClr val="tx1"/>
           </a:solidFill>
@@ -2836,16 +2859,16 @@
           <a:cs typeface="+mn-cs"/>
         </a:defRPr>
       </a:lvl8pPr>
-      <a:lvl9pPr marL="4406174" indent="-259187" algn="l" defTabSz="1036747" rtl="0" eaLnBrk="1" latinLnBrk="0" hangingPunct="1">
+      <a:lvl9pPr marL="3886200" indent="-228600" algn="l" defTabSz="914400" rtl="0" eaLnBrk="1" latinLnBrk="0" hangingPunct="1">
         <a:lnSpc>
           <a:spcPct val="90000"/>
         </a:lnSpc>
         <a:spcBef>
-          <a:spcPts val="567"/>
+          <a:spcPts val="500"/>
         </a:spcBef>
         <a:buFont typeface="Arial" panose="020B0604020202020204" pitchFamily="34" charset="0"/>
         <a:buChar char="•"/>
-        <a:defRPr sz="2041" kern="1200">
+        <a:defRPr sz="1800" kern="1200">
           <a:solidFill>
             <a:schemeClr val="tx1"/>
           </a:solidFill>
@@ -2859,8 +2882,8 @@
       <a:defPPr>
         <a:defRPr lang="en-US"/>
       </a:defPPr>
-      <a:lvl1pPr marL="0" algn="l" defTabSz="1036747" rtl="0" eaLnBrk="1" latinLnBrk="0" hangingPunct="1">
-        <a:defRPr sz="2041" kern="1200">
+      <a:lvl1pPr marL="0" algn="l" defTabSz="914400" rtl="0" eaLnBrk="1" latinLnBrk="0" hangingPunct="1">
+        <a:defRPr sz="1800" kern="1200">
           <a:solidFill>
             <a:schemeClr val="tx1"/>
           </a:solidFill>
@@ -2869,8 +2892,8 @@
           <a:cs typeface="+mn-cs"/>
         </a:defRPr>
       </a:lvl1pPr>
-      <a:lvl2pPr marL="518373" algn="l" defTabSz="1036747" rtl="0" eaLnBrk="1" latinLnBrk="0" hangingPunct="1">
-        <a:defRPr sz="2041" kern="1200">
+      <a:lvl2pPr marL="457200" algn="l" defTabSz="914400" rtl="0" eaLnBrk="1" latinLnBrk="0" hangingPunct="1">
+        <a:defRPr sz="1800" kern="1200">
           <a:solidFill>
             <a:schemeClr val="tx1"/>
           </a:solidFill>
@@ -2879,8 +2902,8 @@
           <a:cs typeface="+mn-cs"/>
         </a:defRPr>
       </a:lvl2pPr>
-      <a:lvl3pPr marL="1036747" algn="l" defTabSz="1036747" rtl="0" eaLnBrk="1" latinLnBrk="0" hangingPunct="1">
-        <a:defRPr sz="2041" kern="1200">
+      <a:lvl3pPr marL="914400" algn="l" defTabSz="914400" rtl="0" eaLnBrk="1" latinLnBrk="0" hangingPunct="1">
+        <a:defRPr sz="1800" kern="1200">
           <a:solidFill>
             <a:schemeClr val="tx1"/>
           </a:solidFill>
@@ -2889,8 +2912,8 @@
           <a:cs typeface="+mn-cs"/>
         </a:defRPr>
       </a:lvl3pPr>
-      <a:lvl4pPr marL="1555120" algn="l" defTabSz="1036747" rtl="0" eaLnBrk="1" latinLnBrk="0" hangingPunct="1">
-        <a:defRPr sz="2041" kern="1200">
+      <a:lvl4pPr marL="1371600" algn="l" defTabSz="914400" rtl="0" eaLnBrk="1" latinLnBrk="0" hangingPunct="1">
+        <a:defRPr sz="1800" kern="1200">
           <a:solidFill>
             <a:schemeClr val="tx1"/>
           </a:solidFill>
@@ -2899,8 +2922,8 @@
           <a:cs typeface="+mn-cs"/>
         </a:defRPr>
       </a:lvl4pPr>
-      <a:lvl5pPr marL="2073493" algn="l" defTabSz="1036747" rtl="0" eaLnBrk="1" latinLnBrk="0" hangingPunct="1">
-        <a:defRPr sz="2041" kern="1200">
+      <a:lvl5pPr marL="1828800" algn="l" defTabSz="914400" rtl="0" eaLnBrk="1" latinLnBrk="0" hangingPunct="1">
+        <a:defRPr sz="1800" kern="1200">
           <a:solidFill>
             <a:schemeClr val="tx1"/>
           </a:solidFill>
@@ -2909,8 +2932,8 @@
           <a:cs typeface="+mn-cs"/>
         </a:defRPr>
       </a:lvl5pPr>
-      <a:lvl6pPr marL="2591867" algn="l" defTabSz="1036747" rtl="0" eaLnBrk="1" latinLnBrk="0" hangingPunct="1">
-        <a:defRPr sz="2041" kern="1200">
+      <a:lvl6pPr marL="2286000" algn="l" defTabSz="914400" rtl="0" eaLnBrk="1" latinLnBrk="0" hangingPunct="1">
+        <a:defRPr sz="1800" kern="1200">
           <a:solidFill>
             <a:schemeClr val="tx1"/>
           </a:solidFill>
@@ -2919,8 +2942,8 @@
           <a:cs typeface="+mn-cs"/>
         </a:defRPr>
       </a:lvl6pPr>
-      <a:lvl7pPr marL="3110240" algn="l" defTabSz="1036747" rtl="0" eaLnBrk="1" latinLnBrk="0" hangingPunct="1">
-        <a:defRPr sz="2041" kern="1200">
+      <a:lvl7pPr marL="2743200" algn="l" defTabSz="914400" rtl="0" eaLnBrk="1" latinLnBrk="0" hangingPunct="1">
+        <a:defRPr sz="1800" kern="1200">
           <a:solidFill>
             <a:schemeClr val="tx1"/>
           </a:solidFill>
@@ -2929,8 +2952,8 @@
           <a:cs typeface="+mn-cs"/>
         </a:defRPr>
       </a:lvl7pPr>
-      <a:lvl8pPr marL="3628614" algn="l" defTabSz="1036747" rtl="0" eaLnBrk="1" latinLnBrk="0" hangingPunct="1">
-        <a:defRPr sz="2041" kern="1200">
+      <a:lvl8pPr marL="3200400" algn="l" defTabSz="914400" rtl="0" eaLnBrk="1" latinLnBrk="0" hangingPunct="1">
+        <a:defRPr sz="1800" kern="1200">
           <a:solidFill>
             <a:schemeClr val="tx1"/>
           </a:solidFill>
@@ -2939,8 +2962,8 @@
           <a:cs typeface="+mn-cs"/>
         </a:defRPr>
       </a:lvl8pPr>
-      <a:lvl9pPr marL="4146987" algn="l" defTabSz="1036747" rtl="0" eaLnBrk="1" latinLnBrk="0" hangingPunct="1">
-        <a:defRPr sz="2041" kern="1200">
+      <a:lvl9pPr marL="3657600" algn="l" defTabSz="914400" rtl="0" eaLnBrk="1" latinLnBrk="0" hangingPunct="1">
+        <a:defRPr sz="1800" kern="1200">
           <a:solidFill>
             <a:schemeClr val="tx1"/>
           </a:solidFill>
@@ -2973,10 +2996,10 @@
       </p:grpSpPr>
       <p:pic>
         <p:nvPicPr>
-          <p:cNvPr id="9" name="Picture 8">
+          <p:cNvPr id="5" name="Рисунок 4">
             <a:extLst>
               <a:ext uri="{FF2B5EF4-FFF2-40B4-BE49-F238E27FC236}">
-                <a16:creationId xmlns:a16="http://schemas.microsoft.com/office/drawing/2014/main" id="{94588395-1A6E-4B27-B0EC-FC80D0E73918}"/>
+                <a16:creationId xmlns:a16="http://schemas.microsoft.com/office/drawing/2014/main" id="{2B170142-6C77-4EE3-BE6B-CD570CFB7FA1}"/>
               </a:ext>
             </a:extLst>
           </p:cNvPr>
@@ -2986,13 +3009,7 @@
           <p:nvPr/>
         </p:nvPicPr>
         <p:blipFill>
-          <a:blip r:embed="rId2">
-            <a:extLst>
-              <a:ext uri="{28A0092B-C50C-407E-A947-70E740481C1C}">
-                <a14:useLocalDpi xmlns:a14="http://schemas.microsoft.com/office/drawing/2010/main" val="0"/>
-              </a:ext>
-            </a:extLst>
-          </a:blip>
+          <a:blip r:embed="rId2"/>
           <a:stretch>
             <a:fillRect/>
           </a:stretch>
@@ -3000,7 +3017,7 @@
         <p:spPr>
           <a:xfrm>
             <a:off x="0" y="0"/>
-            <a:ext cx="10905766" cy="7772416"/>
+            <a:ext cx="9720263" cy="6858000"/>
           </a:xfrm>
           <a:prstGeom prst="rect">
             <a:avLst/>
@@ -3009,10 +3026,10 @@
       </p:pic>
       <p:sp>
         <p:nvSpPr>
-          <p:cNvPr id="18" name="TextBox 17">
+          <p:cNvPr id="6" name="TextBox 5">
             <a:extLst>
               <a:ext uri="{FF2B5EF4-FFF2-40B4-BE49-F238E27FC236}">
-                <a16:creationId xmlns:a16="http://schemas.microsoft.com/office/drawing/2014/main" id="{69F7386A-E9AD-4AE1-AB4D-607B5E089325}"/>
+                <a16:creationId xmlns:a16="http://schemas.microsoft.com/office/drawing/2014/main" id="{790E5C34-A553-41A5-8ACE-C8501F433D18}"/>
               </a:ext>
             </a:extLst>
           </p:cNvPr>
@@ -3021,8 +3038,8 @@
         </p:nvSpPr>
         <p:spPr>
           <a:xfrm>
-            <a:off x="2957514" y="2042237"/>
-            <a:ext cx="4989506" cy="477054"/>
+            <a:off x="1028359" y="2199764"/>
+            <a:ext cx="7663543" cy="646331"/>
           </a:xfrm>
           <a:prstGeom prst="rect">
             <a:avLst/>
@@ -3030,20 +3047,20 @@
           <a:noFill/>
         </p:spPr>
         <p:txBody>
-          <a:bodyPr wrap="square" rtlCol="0">
-            <a:spAutoFit/>
+          <a:bodyPr wrap="square" lIns="0" rIns="0" rtlCol="0">
+            <a:noAutofit/>
           </a:bodyPr>
           <a:lstStyle/>
           <a:p>
             <a:pPr algn="ctr"/>
             <a:r>
-              <a:rPr lang="en-US" sz="2500" spc="-30" dirty="0">
+              <a:rPr lang="en-US" sz="3600" spc="-10" dirty="0">
                 <a:solidFill>
-                  <a:srgbClr val="301DD1"/>
+                  <a:srgbClr val="EC9761"/>
                 </a:solidFill>
                 <a:latin typeface="Sofia Med" panose="01000000000000000000" pitchFamily="2" charset="0"/>
               </a:rPr>
-              <a:t>The Greatest Certificate</a:t>
+              <a:t>Name</a:t>
             </a:r>
           </a:p>
         </p:txBody>
@@ -3053,7 +3070,7 @@
           <p:cNvPr id="7" name="TextBox 6">
             <a:extLst>
               <a:ext uri="{FF2B5EF4-FFF2-40B4-BE49-F238E27FC236}">
-                <a16:creationId xmlns:a16="http://schemas.microsoft.com/office/drawing/2014/main" id="{990750FC-5F75-4819-902A-46FF962BA3FA}"/>
+                <a16:creationId xmlns:a16="http://schemas.microsoft.com/office/drawing/2014/main" id="{A39D12A7-F3CD-4522-98D2-0AA030AE52D0}"/>
               </a:ext>
             </a:extLst>
           </p:cNvPr>
@@ -3062,8 +3079,8 @@
         </p:nvSpPr>
         <p:spPr>
           <a:xfrm>
-            <a:off x="2419350" y="2846239"/>
-            <a:ext cx="6110284" cy="646331"/>
+            <a:off x="90615" y="6609398"/>
+            <a:ext cx="1622855" cy="246221"/>
           </a:xfrm>
           <a:prstGeom prst="rect">
             <a:avLst/>
@@ -3072,26 +3089,31 @@
         </p:spPr>
         <p:txBody>
           <a:bodyPr wrap="square" lIns="0" rIns="0" rtlCol="0">
-            <a:noAutofit/>
+            <a:spAutoFit/>
           </a:bodyPr>
           <a:lstStyle/>
           <a:p>
-            <a:pPr algn="ctr"/>
-            <a:r>
-              <a:rPr lang="en-US" sz="2500" spc="-10" dirty="0">
-                <a:latin typeface="Sofia Med" panose="01000000000000000000" pitchFamily="2" charset="0"/>
+            <a:r>
+              <a:rPr lang="ru-RU" sz="1000" spc="-10" dirty="0">
+                <a:latin typeface="Sofia" panose="01000000000000000000" pitchFamily="2" charset="0"/>
               </a:rPr>
-              <a:t>Name</a:t>
-            </a:r>
-          </a:p>
-        </p:txBody>
-      </p:sp>
-      <p:sp>
-        <p:nvSpPr>
-          <p:cNvPr id="3" name="TextBox 2">
+              <a:t>Уникальный идентификатор</a:t>
+            </a:r>
+            <a:r>
+              <a:rPr lang="en-US" sz="1000" spc="-10" dirty="0">
+                <a:latin typeface="Sofia" panose="01000000000000000000" pitchFamily="2" charset="0"/>
+              </a:rPr>
+              <a:t>:</a:t>
+            </a:r>
+          </a:p>
+        </p:txBody>
+      </p:sp>
+      <p:sp>
+        <p:nvSpPr>
+          <p:cNvPr id="8" name="TextBox 7">
             <a:extLst>
               <a:ext uri="{FF2B5EF4-FFF2-40B4-BE49-F238E27FC236}">
-                <a16:creationId xmlns:a16="http://schemas.microsoft.com/office/drawing/2014/main" id="{A4F02A8F-8E11-4FEA-9722-AB73D49A3684}"/>
+                <a16:creationId xmlns:a16="http://schemas.microsoft.com/office/drawing/2014/main" id="{5E9302A9-9CD4-4396-BD8A-5462E629ABC0}"/>
               </a:ext>
             </a:extLst>
           </p:cNvPr>
@@ -3100,8 +3122,8 @@
         </p:nvSpPr>
         <p:spPr>
           <a:xfrm>
-            <a:off x="2143597" y="3877603"/>
-            <a:ext cx="6757984" cy="368242"/>
+            <a:off x="1639328" y="6628732"/>
+            <a:ext cx="2603158" cy="215444"/>
           </a:xfrm>
           <a:prstGeom prst="rect">
             <a:avLst/>
@@ -3109,562 +3131,27 @@
           <a:noFill/>
         </p:spPr>
         <p:txBody>
-          <a:bodyPr wrap="square" rtlCol="0" anchor="ctr">
-            <a:spAutoFit/>
-          </a:bodyPr>
-          <a:lstStyle/>
-          <a:p>
-            <a:pPr algn="ctr">
-              <a:lnSpc>
-                <a:spcPts val="2300"/>
-              </a:lnSpc>
-            </a:pPr>
-            <a:r>
-              <a:rPr lang="en-US" sz="1600" spc="-10" dirty="0">
-                <a:latin typeface="Athelas" panose="02000503000000020003" pitchFamily="2" charset="0"/>
-              </a:rPr>
-              <a:t>You are the most successful person ever</a:t>
-            </a:r>
-          </a:p>
-        </p:txBody>
-      </p:sp>
-      <p:sp>
-        <p:nvSpPr>
-          <p:cNvPr id="10" name="TextBox 9">
-            <a:extLst>
-              <a:ext uri="{FF2B5EF4-FFF2-40B4-BE49-F238E27FC236}">
-                <a16:creationId xmlns:a16="http://schemas.microsoft.com/office/drawing/2014/main" id="{E4996E83-5B34-4413-A3C5-5814C2C2D29D}"/>
-              </a:ext>
-            </a:extLst>
-          </p:cNvPr>
-          <p:cNvSpPr txBox="1"/>
-          <p:nvPr/>
-        </p:nvSpPr>
-        <p:spPr>
-          <a:xfrm>
-            <a:off x="2809706" y="5130762"/>
-            <a:ext cx="2341108" cy="361637"/>
-          </a:xfrm>
-          <a:prstGeom prst="rect">
-            <a:avLst/>
-          </a:prstGeom>
-          <a:noFill/>
-        </p:spPr>
-        <p:txBody>
-          <a:bodyPr wrap="square" rtlCol="0" anchor="ctr">
-            <a:spAutoFit/>
-          </a:bodyPr>
-          <a:lstStyle/>
-          <a:p>
-            <a:pPr algn="ctr">
-              <a:lnSpc>
-                <a:spcPts val="1000"/>
-              </a:lnSpc>
-              <a:spcAft>
-                <a:spcPts val="130"/>
-              </a:spcAft>
-            </a:pPr>
-            <a:r>
-              <a:rPr lang="en-US" sz="900" spc="20" dirty="0">
-                <a:solidFill>
-                  <a:srgbClr val="2F2F2F"/>
-                </a:solidFill>
-                <a:latin typeface="Sofia" panose="01000000000000000000" pitchFamily="2" charset="0"/>
-              </a:rPr>
-              <a:t>Guy 1</a:t>
-            </a:r>
-          </a:p>
-          <a:p>
-            <a:pPr algn="ctr">
-              <a:lnSpc>
-                <a:spcPts val="1000"/>
-              </a:lnSpc>
-              <a:spcAft>
-                <a:spcPts val="130"/>
-              </a:spcAft>
-            </a:pPr>
-            <a:r>
-              <a:rPr lang="en-US" sz="900" spc="20" dirty="0">
-                <a:solidFill>
-                  <a:srgbClr val="2F2F2F"/>
-                </a:solidFill>
-                <a:latin typeface="Sofia" panose="01000000000000000000" pitchFamily="2" charset="0"/>
-              </a:rPr>
-              <a:t>CEO</a:t>
-            </a:r>
-          </a:p>
-        </p:txBody>
-      </p:sp>
-      <p:sp>
-        <p:nvSpPr>
-          <p:cNvPr id="21" name="TextBox 20">
-            <a:extLst>
-              <a:ext uri="{FF2B5EF4-FFF2-40B4-BE49-F238E27FC236}">
-                <a16:creationId xmlns:a16="http://schemas.microsoft.com/office/drawing/2014/main" id="{6D53D315-7D90-4350-86A2-37921486364D}"/>
-              </a:ext>
-            </a:extLst>
-          </p:cNvPr>
-          <p:cNvSpPr txBox="1"/>
-          <p:nvPr/>
-        </p:nvSpPr>
-        <p:spPr>
-          <a:xfrm>
-            <a:off x="2753149" y="5584686"/>
-            <a:ext cx="2341108" cy="400110"/>
-          </a:xfrm>
-          <a:prstGeom prst="rect">
-            <a:avLst/>
-          </a:prstGeom>
-          <a:noFill/>
-        </p:spPr>
-        <p:txBody>
-          <a:bodyPr wrap="square" rtlCol="0" anchor="ctr">
-            <a:spAutoFit/>
-          </a:bodyPr>
-          <a:lstStyle/>
-          <a:p>
-            <a:pPr algn="ctr">
-              <a:spcAft>
-                <a:spcPts val="130"/>
-              </a:spcAft>
-            </a:pPr>
-            <a:r>
-              <a:rPr lang="en-US" sz="2000" spc="-80" dirty="0">
-                <a:solidFill>
-                  <a:srgbClr val="171F8B"/>
-                </a:solidFill>
-                <a:latin typeface="Photograph Signature" panose="02000500000000000000" pitchFamily="50" charset="0"/>
-              </a:rPr>
-              <a:t>Guy 1</a:t>
-            </a:r>
-          </a:p>
-        </p:txBody>
-      </p:sp>
-      <p:sp>
-        <p:nvSpPr>
-          <p:cNvPr id="22" name="TextBox 21">
-            <a:extLst>
-              <a:ext uri="{FF2B5EF4-FFF2-40B4-BE49-F238E27FC236}">
-                <a16:creationId xmlns:a16="http://schemas.microsoft.com/office/drawing/2014/main" id="{076DDB83-E6DE-4DC6-B083-ABC660C1ADE7}"/>
-              </a:ext>
-            </a:extLst>
-          </p:cNvPr>
-          <p:cNvSpPr txBox="1"/>
-          <p:nvPr/>
-        </p:nvSpPr>
-        <p:spPr>
-          <a:xfrm>
-            <a:off x="5850107" y="5122016"/>
-            <a:ext cx="2341108" cy="382156"/>
-          </a:xfrm>
-          <a:prstGeom prst="rect">
-            <a:avLst/>
-          </a:prstGeom>
-          <a:noFill/>
-        </p:spPr>
-        <p:txBody>
-          <a:bodyPr wrap="square" rtlCol="0" anchor="ctr">
-            <a:spAutoFit/>
-          </a:bodyPr>
-          <a:lstStyle/>
-          <a:p>
-            <a:pPr algn="ctr">
-              <a:spcAft>
-                <a:spcPts val="130"/>
-              </a:spcAft>
-            </a:pPr>
-            <a:r>
-              <a:rPr lang="en-US" sz="900" spc="20" dirty="0">
-                <a:solidFill>
-                  <a:srgbClr val="2F2F2F"/>
-                </a:solidFill>
-                <a:latin typeface="Sofia" panose="01000000000000000000" pitchFamily="2" charset="0"/>
-              </a:rPr>
-              <a:t>Guy 2</a:t>
-            </a:r>
-          </a:p>
-          <a:p>
-            <a:pPr algn="ctr">
-              <a:spcAft>
-                <a:spcPts val="130"/>
-              </a:spcAft>
-            </a:pPr>
-            <a:r>
-              <a:rPr lang="en-US" sz="900" spc="20" dirty="0">
-                <a:solidFill>
-                  <a:srgbClr val="2F2F2F"/>
-                </a:solidFill>
-                <a:latin typeface="Sofia" panose="01000000000000000000" pitchFamily="2" charset="0"/>
-              </a:rPr>
-              <a:t>CTO</a:t>
-            </a:r>
-          </a:p>
-        </p:txBody>
-      </p:sp>
-      <p:sp>
-        <p:nvSpPr>
-          <p:cNvPr id="24" name="TextBox 23">
-            <a:extLst>
-              <a:ext uri="{FF2B5EF4-FFF2-40B4-BE49-F238E27FC236}">
-                <a16:creationId xmlns:a16="http://schemas.microsoft.com/office/drawing/2014/main" id="{E2C82BAA-B8C7-4F67-AE10-1B4CF01EC1DC}"/>
-              </a:ext>
-            </a:extLst>
-          </p:cNvPr>
-          <p:cNvSpPr txBox="1"/>
-          <p:nvPr/>
-        </p:nvSpPr>
-        <p:spPr>
-          <a:xfrm>
-            <a:off x="5570238" y="5549400"/>
-            <a:ext cx="2840831" cy="415498"/>
-          </a:xfrm>
-          <a:prstGeom prst="rect">
-            <a:avLst/>
-          </a:prstGeom>
-          <a:noFill/>
-        </p:spPr>
-        <p:txBody>
-          <a:bodyPr wrap="square" rtlCol="0" anchor="ctr">
-            <a:spAutoFit/>
-          </a:bodyPr>
-          <a:lstStyle/>
-          <a:p>
-            <a:pPr algn="ctr">
-              <a:spcAft>
-                <a:spcPts val="130"/>
-              </a:spcAft>
-            </a:pPr>
-            <a:r>
-              <a:rPr lang="en-US" sz="2100" spc="-30" dirty="0">
-                <a:solidFill>
-                  <a:srgbClr val="171F8B"/>
-                </a:solidFill>
-                <a:latin typeface="England Signature" pitchFamily="50" charset="0"/>
-              </a:rPr>
-              <a:t>Guy 2</a:t>
-            </a:r>
-          </a:p>
-        </p:txBody>
-      </p:sp>
-      <p:sp>
-        <p:nvSpPr>
-          <p:cNvPr id="25" name="TextBox 24">
-            <a:extLst>
-              <a:ext uri="{FF2B5EF4-FFF2-40B4-BE49-F238E27FC236}">
-                <a16:creationId xmlns:a16="http://schemas.microsoft.com/office/drawing/2014/main" id="{0F0F4375-17EC-4A99-9C5A-5A20789E8376}"/>
-              </a:ext>
-            </a:extLst>
-          </p:cNvPr>
-          <p:cNvSpPr txBox="1"/>
-          <p:nvPr/>
-        </p:nvSpPr>
-        <p:spPr>
-          <a:xfrm>
-            <a:off x="3844922" y="6084196"/>
-            <a:ext cx="3224213" cy="276999"/>
-          </a:xfrm>
-          <a:prstGeom prst="rect">
-            <a:avLst/>
-          </a:prstGeom>
-          <a:noFill/>
-        </p:spPr>
-        <p:txBody>
-          <a:bodyPr wrap="square" rtlCol="0" anchor="ctr">
-            <a:spAutoFit/>
-          </a:bodyPr>
-          <a:lstStyle/>
-          <a:p>
-            <a:pPr algn="ctr"/>
-            <a:r>
-              <a:rPr lang="ru-RU" sz="1200" spc="-30" dirty="0" err="1">
-                <a:solidFill>
-                  <a:srgbClr val="2F2F2F"/>
-                </a:solidFill>
-                <a:latin typeface="Sofia" panose="01000000000000000000" pitchFamily="2" charset="0"/>
-              </a:rPr>
-              <a:t>Кванториум</a:t>
-            </a:r>
-            <a:endParaRPr lang="en-US" sz="1200" spc="-30" dirty="0">
-              <a:solidFill>
-                <a:srgbClr val="2F2F2F"/>
-              </a:solidFill>
-              <a:latin typeface="Sofia" panose="01000000000000000000" pitchFamily="2" charset="0"/>
-            </a:endParaRPr>
-          </a:p>
-        </p:txBody>
-      </p:sp>
-      <p:sp>
-        <p:nvSpPr>
-          <p:cNvPr id="14" name="TextBox 13">
-            <a:extLst>
-              <a:ext uri="{FF2B5EF4-FFF2-40B4-BE49-F238E27FC236}">
-                <a16:creationId xmlns:a16="http://schemas.microsoft.com/office/drawing/2014/main" id="{C2A480A9-440F-4412-80FF-9B8ED0CAFB27}"/>
-              </a:ext>
-            </a:extLst>
-          </p:cNvPr>
-          <p:cNvSpPr txBox="1"/>
-          <p:nvPr/>
-        </p:nvSpPr>
-        <p:spPr>
-          <a:xfrm>
-            <a:off x="8336757" y="167484"/>
-            <a:ext cx="1550194" cy="307777"/>
-          </a:xfrm>
-          <a:prstGeom prst="rect">
-            <a:avLst/>
-          </a:prstGeom>
-          <a:noFill/>
-        </p:spPr>
-        <p:txBody>
           <a:bodyPr wrap="square" rtlCol="0">
             <a:spAutoFit/>
           </a:bodyPr>
           <a:lstStyle/>
           <a:p>
             <a:r>
-              <a:rPr lang="en-US" sz="1400" spc="-10" dirty="0">
-                <a:latin typeface="Sofia" panose="01000000000000000000" pitchFamily="2" charset="0"/>
-              </a:rPr>
-              <a:t>Serial Number :</a:t>
-            </a:r>
-          </a:p>
-        </p:txBody>
-      </p:sp>
-      <p:pic>
-        <p:nvPicPr>
-          <p:cNvPr id="19" name="Picture 18">
-            <a:extLst>
-              <a:ext uri="{FF2B5EF4-FFF2-40B4-BE49-F238E27FC236}">
-                <a16:creationId xmlns:a16="http://schemas.microsoft.com/office/drawing/2014/main" id="{4E4118F2-0A98-4FE1-AD7C-02624D015A0A}"/>
-              </a:ext>
-            </a:extLst>
-          </p:cNvPr>
-          <p:cNvPicPr>
-            <a:picLocks noChangeAspect="1"/>
-          </p:cNvPicPr>
-          <p:nvPr/>
-        </p:nvPicPr>
-        <p:blipFill>
-          <a:blip r:embed="rId3">
-            <a:extLst>
-              <a:ext uri="{28A0092B-C50C-407E-A947-70E740481C1C}">
-                <a14:useLocalDpi xmlns:a14="http://schemas.microsoft.com/office/drawing/2010/main" val="0"/>
-              </a:ext>
-            </a:extLst>
-          </a:blip>
-          <a:stretch>
-            <a:fillRect/>
-          </a:stretch>
-        </p:blipFill>
-        <p:spPr>
-          <a:xfrm>
-            <a:off x="2631973" y="3350273"/>
-            <a:ext cx="5596139" cy="280417"/>
-          </a:xfrm>
-          <a:prstGeom prst="rect">
-            <a:avLst/>
-          </a:prstGeom>
-        </p:spPr>
-      </p:pic>
-      <p:pic>
-        <p:nvPicPr>
-          <p:cNvPr id="29" name="Picture 28">
-            <a:extLst>
-              <a:ext uri="{FF2B5EF4-FFF2-40B4-BE49-F238E27FC236}">
-                <a16:creationId xmlns:a16="http://schemas.microsoft.com/office/drawing/2014/main" id="{95741C86-229E-493E-BBEF-8E4B50C9DCA8}"/>
-              </a:ext>
-            </a:extLst>
-          </p:cNvPr>
-          <p:cNvPicPr>
-            <a:picLocks noChangeAspect="1"/>
-          </p:cNvPicPr>
-          <p:nvPr/>
-        </p:nvPicPr>
-        <p:blipFill>
-          <a:blip r:embed="rId4">
-            <a:extLst>
-              <a:ext uri="{28A0092B-C50C-407E-A947-70E740481C1C}">
-                <a14:useLocalDpi xmlns:a14="http://schemas.microsoft.com/office/drawing/2010/main" val="0"/>
-              </a:ext>
-            </a:extLst>
-          </a:blip>
-          <a:stretch>
-            <a:fillRect/>
-          </a:stretch>
-        </p:blipFill>
-        <p:spPr>
-          <a:xfrm>
-            <a:off x="3298857" y="5498093"/>
-            <a:ext cx="1368555" cy="9144"/>
-          </a:xfrm>
-          <a:prstGeom prst="rect">
-            <a:avLst/>
-          </a:prstGeom>
-        </p:spPr>
-      </p:pic>
-      <p:pic>
-        <p:nvPicPr>
-          <p:cNvPr id="30" name="Picture 29">
-            <a:extLst>
-              <a:ext uri="{FF2B5EF4-FFF2-40B4-BE49-F238E27FC236}">
-                <a16:creationId xmlns:a16="http://schemas.microsoft.com/office/drawing/2014/main" id="{EF71014F-76F5-44EA-B85F-05DB4C91972F}"/>
-              </a:ext>
-            </a:extLst>
-          </p:cNvPr>
-          <p:cNvPicPr>
-            <a:picLocks noChangeAspect="1"/>
-          </p:cNvPicPr>
-          <p:nvPr/>
-        </p:nvPicPr>
-        <p:blipFill>
-          <a:blip r:embed="rId4">
-            <a:extLst>
-              <a:ext uri="{28A0092B-C50C-407E-A947-70E740481C1C}">
-                <a14:useLocalDpi xmlns:a14="http://schemas.microsoft.com/office/drawing/2010/main" val="0"/>
-              </a:ext>
-            </a:extLst>
-          </a:blip>
-          <a:stretch>
-            <a:fillRect/>
-          </a:stretch>
-        </p:blipFill>
-        <p:spPr>
-          <a:xfrm>
-            <a:off x="6323044" y="5493521"/>
-            <a:ext cx="1368555" cy="9144"/>
-          </a:xfrm>
-          <a:prstGeom prst="rect">
-            <a:avLst/>
-          </a:prstGeom>
-        </p:spPr>
-      </p:pic>
-      <p:sp>
-        <p:nvSpPr>
-          <p:cNvPr id="31" name="TextBox 30">
-            <a:extLst>
-              <a:ext uri="{FF2B5EF4-FFF2-40B4-BE49-F238E27FC236}">
-                <a16:creationId xmlns:a16="http://schemas.microsoft.com/office/drawing/2014/main" id="{7A6C948E-1251-4E7F-97D1-32B7F3F9068E}"/>
-              </a:ext>
-            </a:extLst>
-          </p:cNvPr>
-          <p:cNvSpPr txBox="1"/>
-          <p:nvPr/>
-        </p:nvSpPr>
-        <p:spPr>
-          <a:xfrm>
-            <a:off x="9676208" y="226659"/>
-            <a:ext cx="1245791" cy="230832"/>
-          </a:xfrm>
-          <a:prstGeom prst="rect">
-            <a:avLst/>
-          </a:prstGeom>
-          <a:noFill/>
-        </p:spPr>
-        <p:txBody>
-          <a:bodyPr wrap="square" rtlCol="0">
-            <a:spAutoFit/>
-          </a:bodyPr>
-          <a:lstStyle/>
-          <a:p>
-            <a:r>
-              <a:rPr lang="en-US" sz="900" spc="-10" dirty="0" err="1">
+              <a:rPr lang="en-US" sz="800" spc="-10" dirty="0" err="1">
                 <a:latin typeface="Sofia" panose="01000000000000000000" pitchFamily="2" charset="0"/>
               </a:rPr>
               <a:t>DocumentID</a:t>
             </a:r>
-            <a:endParaRPr lang="en-US" sz="900" spc="-10" dirty="0">
+            <a:endParaRPr lang="en-US" sz="800" spc="-10" dirty="0">
               <a:latin typeface="Sofia" panose="01000000000000000000" pitchFamily="2" charset="0"/>
             </a:endParaRPr>
           </a:p>
         </p:txBody>
       </p:sp>
-      <p:pic>
-        <p:nvPicPr>
-          <p:cNvPr id="32" name="Picture 31">
-            <a:extLst>
-              <a:ext uri="{FF2B5EF4-FFF2-40B4-BE49-F238E27FC236}">
-                <a16:creationId xmlns:a16="http://schemas.microsoft.com/office/drawing/2014/main" id="{5BCC5CF3-0217-4443-8411-C0A9E5FFC04C}"/>
-              </a:ext>
-            </a:extLst>
-          </p:cNvPr>
-          <p:cNvPicPr>
-            <a:picLocks noChangeAspect="1"/>
-          </p:cNvPicPr>
-          <p:nvPr/>
-        </p:nvPicPr>
-        <p:blipFill>
-          <a:blip r:embed="rId4">
-            <a:extLst>
-              <a:ext uri="{28A0092B-C50C-407E-A947-70E740481C1C}">
-                <a14:useLocalDpi xmlns:a14="http://schemas.microsoft.com/office/drawing/2010/main" val="0"/>
-              </a:ext>
-            </a:extLst>
-          </a:blip>
-          <a:stretch>
-            <a:fillRect/>
-          </a:stretch>
-        </p:blipFill>
-        <p:spPr>
-          <a:xfrm>
-            <a:off x="4767988" y="6512697"/>
-            <a:ext cx="1368555" cy="9144"/>
-          </a:xfrm>
-          <a:prstGeom prst="rect">
-            <a:avLst/>
-          </a:prstGeom>
-        </p:spPr>
-      </p:pic>
-      <p:pic>
-        <p:nvPicPr>
-          <p:cNvPr id="1026" name="Picture 2" descr="Colorful gradient abstract logo Free Vector">
-            <a:extLst>
-              <a:ext uri="{FF2B5EF4-FFF2-40B4-BE49-F238E27FC236}">
-                <a16:creationId xmlns:a16="http://schemas.microsoft.com/office/drawing/2014/main" id="{500F6838-DB2B-4301-BE31-5A9A45FBCA9E}"/>
-              </a:ext>
-            </a:extLst>
-          </p:cNvPr>
-          <p:cNvPicPr>
-            <a:picLocks noChangeAspect="1" noChangeArrowheads="1"/>
-          </p:cNvPicPr>
-          <p:nvPr/>
-        </p:nvPicPr>
-        <p:blipFill>
-          <a:blip r:embed="rId5">
-            <a:extLst>
-              <a:ext uri="{28A0092B-C50C-407E-A947-70E740481C1C}">
-                <a14:useLocalDpi xmlns:a14="http://schemas.microsoft.com/office/drawing/2010/main" val="0"/>
-              </a:ext>
-            </a:extLst>
-          </a:blip>
-          <a:srcRect/>
-          <a:stretch>
-            <a:fillRect/>
-          </a:stretch>
-        </p:blipFill>
-        <p:spPr bwMode="auto">
-          <a:xfrm>
-            <a:off x="4528173" y="195779"/>
-            <a:ext cx="1848184" cy="1848184"/>
-          </a:xfrm>
-          <a:prstGeom prst="rect">
-            <a:avLst/>
-          </a:prstGeom>
-          <a:noFill/>
-          <a:extLst>
-            <a:ext uri="{909E8E84-426E-40DD-AFC4-6F175D3DCCD1}">
-              <a14:hiddenFill xmlns:a14="http://schemas.microsoft.com/office/drawing/2010/main">
-                <a:solidFill>
-                  <a:srgbClr val="FFFFFF"/>
-                </a:solidFill>
-              </a14:hiddenFill>
-            </a:ext>
-          </a:extLst>
-        </p:spPr>
-      </p:pic>
     </p:spTree>
     <p:extLst>
       <p:ext uri="{BB962C8B-B14F-4D97-AF65-F5344CB8AC3E}">
-        <p14:creationId xmlns:p14="http://schemas.microsoft.com/office/powerpoint/2010/main" val="3598360839"/>
+        <p14:creationId xmlns:p14="http://schemas.microsoft.com/office/powerpoint/2010/main" val="3210232531"/>
       </p:ext>
     </p:extLst>
   </p:cSld>
@@ -3675,9 +3162,9 @@
 </file>
 
 <file path=ppt/theme/theme1.xml><?xml version="1.0" encoding="utf-8"?>
-<a:theme xmlns:a="http://schemas.openxmlformats.org/drawingml/2006/main" name="Office Theme">
+<a:theme xmlns:a="http://schemas.openxmlformats.org/drawingml/2006/main" name="Тема Office">
   <a:themeElements>
-    <a:clrScheme name="Office Theme">
+    <a:clrScheme name="Тема Office">
       <a:dk1>
         <a:sysClr val="windowText" lastClr="000000"/>
       </a:dk1>
@@ -3715,7 +3202,7 @@
         <a:srgbClr val="954F72"/>
       </a:folHlink>
     </a:clrScheme>
-    <a:fontScheme name="Office Theme">
+    <a:fontScheme name="Тема Office">
       <a:majorFont>
         <a:latin typeface="Calibri Light" panose="020F0302020204030204"/>
         <a:ea typeface=""/>
@@ -3787,7 +3274,7 @@
         <a:font script="Geor" typeface="Sylfaen"/>
       </a:minorFont>
     </a:fontScheme>
-    <a:fmtScheme name="Office Theme">
+    <a:fmtScheme name="Тема Office">
       <a:fillStyleLst>
         <a:solidFill>
           <a:schemeClr val="phClr"/>

--- a/Certificate_Template.pptx
+++ b/Certificate_Template.pptx
@@ -266,7 +266,7 @@
           <a:p>
             <a:fld id="{1E257FCD-A35D-4333-91E0-6F5D2CEE6E9D}" type="datetimeFigureOut">
               <a:rPr lang="ru-RU" smtClean="0"/>
-              <a:t>24.09.2021</a:t>
+              <a:t>25.09.2021</a:t>
             </a:fld>
             <a:endParaRPr lang="ru-RU"/>
           </a:p>
@@ -436,7 +436,7 @@
           <a:p>
             <a:fld id="{1E257FCD-A35D-4333-91E0-6F5D2CEE6E9D}" type="datetimeFigureOut">
               <a:rPr lang="ru-RU" smtClean="0"/>
-              <a:t>24.09.2021</a:t>
+              <a:t>25.09.2021</a:t>
             </a:fld>
             <a:endParaRPr lang="ru-RU"/>
           </a:p>
@@ -616,7 +616,7 @@
           <a:p>
             <a:fld id="{1E257FCD-A35D-4333-91E0-6F5D2CEE6E9D}" type="datetimeFigureOut">
               <a:rPr lang="ru-RU" smtClean="0"/>
-              <a:t>24.09.2021</a:t>
+              <a:t>25.09.2021</a:t>
             </a:fld>
             <a:endParaRPr lang="ru-RU"/>
           </a:p>
@@ -786,7 +786,7 @@
           <a:p>
             <a:fld id="{1E257FCD-A35D-4333-91E0-6F5D2CEE6E9D}" type="datetimeFigureOut">
               <a:rPr lang="ru-RU" smtClean="0"/>
-              <a:t>24.09.2021</a:t>
+              <a:t>25.09.2021</a:t>
             </a:fld>
             <a:endParaRPr lang="ru-RU"/>
           </a:p>
@@ -1030,7 +1030,7 @@
           <a:p>
             <a:fld id="{1E257FCD-A35D-4333-91E0-6F5D2CEE6E9D}" type="datetimeFigureOut">
               <a:rPr lang="ru-RU" smtClean="0"/>
-              <a:t>24.09.2021</a:t>
+              <a:t>25.09.2021</a:t>
             </a:fld>
             <a:endParaRPr lang="ru-RU"/>
           </a:p>
@@ -1262,7 +1262,7 @@
           <a:p>
             <a:fld id="{1E257FCD-A35D-4333-91E0-6F5D2CEE6E9D}" type="datetimeFigureOut">
               <a:rPr lang="ru-RU" smtClean="0"/>
-              <a:t>24.09.2021</a:t>
+              <a:t>25.09.2021</a:t>
             </a:fld>
             <a:endParaRPr lang="ru-RU"/>
           </a:p>
@@ -1629,7 +1629,7 @@
           <a:p>
             <a:fld id="{1E257FCD-A35D-4333-91E0-6F5D2CEE6E9D}" type="datetimeFigureOut">
               <a:rPr lang="ru-RU" smtClean="0"/>
-              <a:t>24.09.2021</a:t>
+              <a:t>25.09.2021</a:t>
             </a:fld>
             <a:endParaRPr lang="ru-RU"/>
           </a:p>
@@ -1747,7 +1747,7 @@
           <a:p>
             <a:fld id="{1E257FCD-A35D-4333-91E0-6F5D2CEE6E9D}" type="datetimeFigureOut">
               <a:rPr lang="ru-RU" smtClean="0"/>
-              <a:t>24.09.2021</a:t>
+              <a:t>25.09.2021</a:t>
             </a:fld>
             <a:endParaRPr lang="ru-RU"/>
           </a:p>
@@ -1842,7 +1842,7 @@
           <a:p>
             <a:fld id="{1E257FCD-A35D-4333-91E0-6F5D2CEE6E9D}" type="datetimeFigureOut">
               <a:rPr lang="ru-RU" smtClean="0"/>
-              <a:t>24.09.2021</a:t>
+              <a:t>25.09.2021</a:t>
             </a:fld>
             <a:endParaRPr lang="ru-RU"/>
           </a:p>
@@ -2119,7 +2119,7 @@
           <a:p>
             <a:fld id="{1E257FCD-A35D-4333-91E0-6F5D2CEE6E9D}" type="datetimeFigureOut">
               <a:rPr lang="ru-RU" smtClean="0"/>
-              <a:t>24.09.2021</a:t>
+              <a:t>25.09.2021</a:t>
             </a:fld>
             <a:endParaRPr lang="ru-RU"/>
           </a:p>
@@ -2376,7 +2376,7 @@
           <a:p>
             <a:fld id="{1E257FCD-A35D-4333-91E0-6F5D2CEE6E9D}" type="datetimeFigureOut">
               <a:rPr lang="ru-RU" smtClean="0"/>
-              <a:t>24.09.2021</a:t>
+              <a:t>25.09.2021</a:t>
             </a:fld>
             <a:endParaRPr lang="ru-RU"/>
           </a:p>
@@ -2589,7 +2589,7 @@
           <a:p>
             <a:fld id="{1E257FCD-A35D-4333-91E0-6F5D2CEE6E9D}" type="datetimeFigureOut">
               <a:rPr lang="ru-RU" smtClean="0"/>
-              <a:t>24.09.2021</a:t>
+              <a:t>25.09.2021</a:t>
             </a:fld>
             <a:endParaRPr lang="ru-RU"/>
           </a:p>
@@ -3054,7 +3054,7 @@
           <a:p>
             <a:pPr algn="ctr"/>
             <a:r>
-              <a:rPr lang="en-US" sz="3600" spc="-10" dirty="0">
+              <a:rPr lang="en-US" sz="2800" spc="-10" dirty="0">
                 <a:solidFill>
                   <a:srgbClr val="EC9761"/>
                 </a:solidFill>
